--- a/Clases/Unidad2.pptx
+++ b/Clases/Unidad2.pptx
@@ -5,12 +5,23 @@
     <p:sldMasterId id="2147483648" r:id="rId1"/>
   </p:sldMasterIdLst>
   <p:handoutMasterIdLst>
-    <p:handoutMasterId r:id="rId5"/>
+    <p:handoutMasterId r:id="rId16"/>
   </p:handoutMasterIdLst>
   <p:sldIdLst>
     <p:sldId id="256" r:id="rId2"/>
     <p:sldId id="258" r:id="rId3"/>
-    <p:sldId id="261" r:id="rId4"/>
+    <p:sldId id="268" r:id="rId4"/>
+    <p:sldId id="267" r:id="rId5"/>
+    <p:sldId id="270" r:id="rId6"/>
+    <p:sldId id="271" r:id="rId7"/>
+    <p:sldId id="272" r:id="rId8"/>
+    <p:sldId id="262" r:id="rId9"/>
+    <p:sldId id="273" r:id="rId10"/>
+    <p:sldId id="263" r:id="rId11"/>
+    <p:sldId id="264" r:id="rId12"/>
+    <p:sldId id="265" r:id="rId13"/>
+    <p:sldId id="266" r:id="rId14"/>
+    <p:sldId id="261" r:id="rId15"/>
   </p:sldIdLst>
   <p:sldSz cx="12192000" cy="6858000"/>
   <p:notesSz cx="6858000" cy="9144000"/>
@@ -214,7 +225,7 @@
           <a:p>
             <a:fld id="{7FF7D7FF-DDC7-474C-8526-899954A31AD1}" type="datetimeFigureOut">
               <a:rPr lang="es-EC" smtClean="0"/>
-              <a:t>3/11/2023</a:t>
+              <a:t>13/11/2023</a:t>
             </a:fld>
             <a:endParaRPr lang="es-EC"/>
           </a:p>
@@ -640,7 +651,7 @@
           <a:p>
             <a:fld id="{8FEB83C7-CE7D-EE43-931B-A983B2AE7CF3}" type="datetimeFigureOut">
               <a:rPr lang="es-EC" smtClean="0"/>
-              <a:t>3/11/2023</a:t>
+              <a:t>13/11/2023</a:t>
             </a:fld>
             <a:endParaRPr lang="es-EC"/>
           </a:p>
@@ -1099,7 +1110,7 @@
         <p:spPr>
           <a:xfrm>
             <a:off x="8770775" y="4909848"/>
-            <a:ext cx="1399807" cy="369332"/>
+            <a:ext cx="1029449" cy="369332"/>
           </a:xfrm>
           <a:prstGeom prst="rect">
             <a:avLst/>
@@ -1114,7 +1125,7 @@
           <a:p>
             <a:r>
               <a:rPr lang="es-419" dirty="0"/>
-              <a:t>Presentación</a:t>
+              <a:t>Unidad II</a:t>
             </a:r>
           </a:p>
         </p:txBody>
@@ -1123,6 +1134,1114 @@
     <p:extLst>
       <p:ext uri="{BB962C8B-B14F-4D97-AF65-F5344CB8AC3E}">
         <p14:creationId xmlns:p14="http://schemas.microsoft.com/office/powerpoint/2010/main" val="417312551"/>
+      </p:ext>
+    </p:extLst>
+  </p:cSld>
+  <p:clrMapOvr>
+    <a:masterClrMapping/>
+  </p:clrMapOvr>
+</p:sld>
+</file>
+
+<file path=ppt/slides/slide10.xml><?xml version="1.0" encoding="utf-8"?>
+<p:sld xmlns:a="http://schemas.openxmlformats.org/drawingml/2006/main" xmlns:r="http://schemas.openxmlformats.org/officeDocument/2006/relationships" xmlns:p="http://schemas.openxmlformats.org/presentationml/2006/main">
+  <p:cSld>
+    <p:spTree>
+      <p:nvGrpSpPr>
+        <p:cNvPr id="1" name=""/>
+        <p:cNvGrpSpPr/>
+        <p:nvPr/>
+      </p:nvGrpSpPr>
+      <p:grpSpPr>
+        <a:xfrm>
+          <a:off x="0" y="0"/>
+          <a:ext cx="0" cy="0"/>
+          <a:chOff x="0" y="0"/>
+          <a:chExt cx="0" cy="0"/>
+        </a:xfrm>
+      </p:grpSpPr>
+      <p:sp>
+        <p:nvSpPr>
+          <p:cNvPr id="2" name="Título 1">
+            <a:extLst>
+              <a:ext uri="{FF2B5EF4-FFF2-40B4-BE49-F238E27FC236}">
+                <a16:creationId xmlns:a16="http://schemas.microsoft.com/office/drawing/2014/main" id="{B8ABAACC-5240-4E68-A4E9-ACA6E7A4B0A2}"/>
+              </a:ext>
+            </a:extLst>
+          </p:cNvPr>
+          <p:cNvSpPr>
+            <a:spLocks noGrp="1"/>
+          </p:cNvSpPr>
+          <p:nvPr>
+            <p:ph type="title" idx="4294967295"/>
+          </p:nvPr>
+        </p:nvSpPr>
+        <p:spPr>
+          <a:xfrm>
+            <a:off x="492369" y="1395046"/>
+            <a:ext cx="11218985" cy="295642"/>
+          </a:xfrm>
+        </p:spPr>
+        <p:txBody>
+          <a:bodyPr>
+            <a:noAutofit/>
+          </a:bodyPr>
+          <a:lstStyle/>
+          <a:p>
+            <a:r>
+              <a:rPr lang="es-EC" sz="3200" dirty="0"/>
+              <a:t>2.3 Mecanismos de Protección: CAPTCHA</a:t>
+            </a:r>
+          </a:p>
+        </p:txBody>
+      </p:sp>
+      <p:sp>
+        <p:nvSpPr>
+          <p:cNvPr id="3" name="Marcador de contenido 2">
+            <a:extLst>
+              <a:ext uri="{FF2B5EF4-FFF2-40B4-BE49-F238E27FC236}">
+                <a16:creationId xmlns:a16="http://schemas.microsoft.com/office/drawing/2014/main" id="{055CBC30-9FA5-4F46-97C3-766A43887EE6}"/>
+              </a:ext>
+            </a:extLst>
+          </p:cNvPr>
+          <p:cNvSpPr>
+            <a:spLocks noGrp="1"/>
+          </p:cNvSpPr>
+          <p:nvPr>
+            <p:ph idx="4294967295"/>
+          </p:nvPr>
+        </p:nvSpPr>
+        <p:spPr>
+          <a:xfrm>
+            <a:off x="492369" y="1825625"/>
+            <a:ext cx="11218985" cy="4351338"/>
+          </a:xfrm>
+        </p:spPr>
+        <p:txBody>
+          <a:bodyPr>
+            <a:normAutofit/>
+          </a:bodyPr>
+          <a:lstStyle/>
+          <a:p>
+            <a:r>
+              <a:rPr lang="en-US" sz="2000" b="1" i="0" dirty="0">
+                <a:solidFill>
+                  <a:srgbClr val="374151"/>
+                </a:solidFill>
+                <a:effectLst/>
+                <a:cs typeface="Calibri" panose="020F0502020204030204" pitchFamily="34" charset="0"/>
+              </a:rPr>
+              <a:t>Completely Automated Public Turing test to tell Computers and Humans Apart.</a:t>
+            </a:r>
+          </a:p>
+          <a:p>
+            <a:r>
+              <a:rPr lang="en-US" sz="2000" dirty="0" err="1">
+                <a:solidFill>
+                  <a:srgbClr val="374151"/>
+                </a:solidFill>
+                <a:cs typeface="Calibri" panose="020F0502020204030204" pitchFamily="34" charset="0"/>
+              </a:rPr>
+              <a:t>Comprende</a:t>
+            </a:r>
+            <a:r>
+              <a:rPr lang="en-US" sz="2000" dirty="0">
+                <a:solidFill>
+                  <a:srgbClr val="374151"/>
+                </a:solidFill>
+                <a:cs typeface="Calibri" panose="020F0502020204030204" pitchFamily="34" charset="0"/>
+              </a:rPr>
+              <a:t> un control de </a:t>
+            </a:r>
+            <a:r>
+              <a:rPr lang="en-US" sz="2000" dirty="0" err="1">
+                <a:solidFill>
+                  <a:srgbClr val="374151"/>
+                </a:solidFill>
+                <a:cs typeface="Calibri" panose="020F0502020204030204" pitchFamily="34" charset="0"/>
+              </a:rPr>
+              <a:t>protección</a:t>
+            </a:r>
+            <a:r>
+              <a:rPr lang="en-US" sz="2000" dirty="0">
+                <a:solidFill>
+                  <a:srgbClr val="374151"/>
+                </a:solidFill>
+                <a:cs typeface="Calibri" panose="020F0502020204030204" pitchFamily="34" charset="0"/>
+              </a:rPr>
+              <a:t> contra bots y web crawlers: </a:t>
+            </a:r>
+            <a:r>
+              <a:rPr lang="en-US" sz="2000" dirty="0" err="1">
+                <a:solidFill>
+                  <a:srgbClr val="374151"/>
+                </a:solidFill>
+                <a:cs typeface="Calibri" panose="020F0502020204030204" pitchFamily="34" charset="0"/>
+              </a:rPr>
+              <a:t>amenazas</a:t>
+            </a:r>
+            <a:r>
+              <a:rPr lang="en-US" sz="2000" dirty="0">
+                <a:solidFill>
+                  <a:srgbClr val="374151"/>
+                </a:solidFill>
+                <a:cs typeface="Calibri" panose="020F0502020204030204" pitchFamily="34" charset="0"/>
+              </a:rPr>
+              <a:t> </a:t>
+            </a:r>
+            <a:r>
+              <a:rPr lang="en-US" sz="2000" dirty="0" err="1">
+                <a:solidFill>
+                  <a:srgbClr val="374151"/>
+                </a:solidFill>
+                <a:cs typeface="Calibri" panose="020F0502020204030204" pitchFamily="34" charset="0"/>
+              </a:rPr>
+              <a:t>automatizadas</a:t>
+            </a:r>
+            <a:r>
+              <a:rPr lang="en-US" sz="2000" dirty="0">
+                <a:solidFill>
+                  <a:srgbClr val="374151"/>
+                </a:solidFill>
+                <a:cs typeface="Calibri" panose="020F0502020204030204" pitchFamily="34" charset="0"/>
+              </a:rPr>
+              <a:t>.</a:t>
+            </a:r>
+          </a:p>
+          <a:p>
+            <a:r>
+              <a:rPr lang="en-US" sz="2000" dirty="0" err="1">
+                <a:solidFill>
+                  <a:srgbClr val="374151"/>
+                </a:solidFill>
+                <a:cs typeface="Calibri" panose="020F0502020204030204" pitchFamily="34" charset="0"/>
+              </a:rPr>
+              <a:t>Presenta</a:t>
+            </a:r>
+            <a:r>
+              <a:rPr lang="en-US" sz="2000" dirty="0">
+                <a:solidFill>
+                  <a:srgbClr val="374151"/>
+                </a:solidFill>
+                <a:cs typeface="Calibri" panose="020F0502020204030204" pitchFamily="34" charset="0"/>
+              </a:rPr>
+              <a:t> </a:t>
+            </a:r>
+            <a:r>
+              <a:rPr lang="en-US" sz="2000" dirty="0" err="1">
+                <a:solidFill>
+                  <a:srgbClr val="374151"/>
+                </a:solidFill>
+                <a:cs typeface="Calibri" panose="020F0502020204030204" pitchFamily="34" charset="0"/>
+              </a:rPr>
+              <a:t>desafíos</a:t>
+            </a:r>
+            <a:r>
+              <a:rPr lang="en-US" sz="2000" dirty="0">
+                <a:solidFill>
+                  <a:srgbClr val="374151"/>
+                </a:solidFill>
+                <a:cs typeface="Calibri" panose="020F0502020204030204" pitchFamily="34" charset="0"/>
+              </a:rPr>
+              <a:t> </a:t>
+            </a:r>
+            <a:r>
+              <a:rPr lang="en-US" sz="2000" dirty="0" err="1">
+                <a:solidFill>
+                  <a:srgbClr val="374151"/>
+                </a:solidFill>
+                <a:cs typeface="Calibri" panose="020F0502020204030204" pitchFamily="34" charset="0"/>
+              </a:rPr>
+              <a:t>visuales</a:t>
+            </a:r>
+            <a:r>
+              <a:rPr lang="en-US" sz="2000" dirty="0">
+                <a:solidFill>
+                  <a:srgbClr val="374151"/>
+                </a:solidFill>
+                <a:cs typeface="Calibri" panose="020F0502020204030204" pitchFamily="34" charset="0"/>
+              </a:rPr>
+              <a:t> o </a:t>
+            </a:r>
+            <a:r>
+              <a:rPr lang="en-US" sz="2000" dirty="0" err="1">
+                <a:solidFill>
+                  <a:srgbClr val="374151"/>
+                </a:solidFill>
+                <a:cs typeface="Calibri" panose="020F0502020204030204" pitchFamily="34" charset="0"/>
+              </a:rPr>
+              <a:t>cognitivos</a:t>
+            </a:r>
+            <a:r>
+              <a:rPr lang="en-US" sz="2000" dirty="0">
+                <a:solidFill>
+                  <a:srgbClr val="374151"/>
+                </a:solidFill>
+                <a:cs typeface="Calibri" panose="020F0502020204030204" pitchFamily="34" charset="0"/>
+              </a:rPr>
+              <a:t> </a:t>
+            </a:r>
+            <a:r>
+              <a:rPr lang="en-US" sz="2000" dirty="0" err="1">
+                <a:solidFill>
+                  <a:srgbClr val="374151"/>
+                </a:solidFill>
+                <a:cs typeface="Calibri" panose="020F0502020204030204" pitchFamily="34" charset="0"/>
+              </a:rPr>
+              <a:t>fáciles</a:t>
+            </a:r>
+            <a:r>
+              <a:rPr lang="en-US" sz="2000" dirty="0">
+                <a:solidFill>
+                  <a:srgbClr val="374151"/>
+                </a:solidFill>
+                <a:cs typeface="Calibri" panose="020F0502020204030204" pitchFamily="34" charset="0"/>
+              </a:rPr>
+              <a:t> de resolver para un </a:t>
+            </a:r>
+            <a:r>
+              <a:rPr lang="en-US" sz="2000" dirty="0" err="1">
+                <a:solidFill>
+                  <a:srgbClr val="374151"/>
+                </a:solidFill>
+                <a:cs typeface="Calibri" panose="020F0502020204030204" pitchFamily="34" charset="0"/>
+              </a:rPr>
+              <a:t>humano</a:t>
+            </a:r>
+            <a:r>
+              <a:rPr lang="en-US" sz="2000" dirty="0">
+                <a:solidFill>
+                  <a:srgbClr val="374151"/>
+                </a:solidFill>
+                <a:cs typeface="Calibri" panose="020F0502020204030204" pitchFamily="34" charset="0"/>
+              </a:rPr>
+              <a:t> </a:t>
+            </a:r>
+            <a:r>
+              <a:rPr lang="en-US" sz="2000" dirty="0" err="1">
+                <a:solidFill>
+                  <a:srgbClr val="374151"/>
+                </a:solidFill>
+                <a:cs typeface="Calibri" panose="020F0502020204030204" pitchFamily="34" charset="0"/>
+              </a:rPr>
+              <a:t>pero</a:t>
+            </a:r>
+            <a:r>
+              <a:rPr lang="en-US" sz="2000" dirty="0">
+                <a:solidFill>
+                  <a:srgbClr val="374151"/>
+                </a:solidFill>
+                <a:cs typeface="Calibri" panose="020F0502020204030204" pitchFamily="34" charset="0"/>
+              </a:rPr>
+              <a:t> </a:t>
+            </a:r>
+            <a:r>
+              <a:rPr lang="en-US" sz="2000" dirty="0" err="1">
+                <a:solidFill>
+                  <a:srgbClr val="374151"/>
+                </a:solidFill>
+                <a:cs typeface="Calibri" panose="020F0502020204030204" pitchFamily="34" charset="0"/>
+              </a:rPr>
+              <a:t>complejos</a:t>
+            </a:r>
+            <a:r>
+              <a:rPr lang="en-US" sz="2000" dirty="0">
+                <a:solidFill>
+                  <a:srgbClr val="374151"/>
+                </a:solidFill>
+                <a:cs typeface="Calibri" panose="020F0502020204030204" pitchFamily="34" charset="0"/>
+              </a:rPr>
+              <a:t> para </a:t>
+            </a:r>
+            <a:r>
+              <a:rPr lang="en-US" sz="2000" dirty="0" err="1">
+                <a:solidFill>
+                  <a:srgbClr val="374151"/>
+                </a:solidFill>
+                <a:cs typeface="Calibri" panose="020F0502020204030204" pitchFamily="34" charset="0"/>
+              </a:rPr>
+              <a:t>una</a:t>
+            </a:r>
+            <a:r>
+              <a:rPr lang="en-US" sz="2000" dirty="0">
+                <a:solidFill>
+                  <a:srgbClr val="374151"/>
+                </a:solidFill>
+                <a:cs typeface="Calibri" panose="020F0502020204030204" pitchFamily="34" charset="0"/>
+              </a:rPr>
+              <a:t> </a:t>
+            </a:r>
+            <a:r>
+              <a:rPr lang="en-US" sz="2000" dirty="0" err="1">
+                <a:solidFill>
+                  <a:srgbClr val="374151"/>
+                </a:solidFill>
+                <a:cs typeface="Calibri" panose="020F0502020204030204" pitchFamily="34" charset="0"/>
+              </a:rPr>
+              <a:t>máquina</a:t>
+            </a:r>
+            <a:r>
+              <a:rPr lang="en-US" sz="2000" dirty="0">
+                <a:solidFill>
+                  <a:srgbClr val="374151"/>
+                </a:solidFill>
+                <a:cs typeface="Calibri" panose="020F0502020204030204" pitchFamily="34" charset="0"/>
+              </a:rPr>
+              <a:t>:</a:t>
+            </a:r>
+          </a:p>
+          <a:p>
+            <a:pPr lvl="1"/>
+            <a:r>
+              <a:rPr lang="en-US" sz="1600" dirty="0" err="1">
+                <a:solidFill>
+                  <a:srgbClr val="374151"/>
+                </a:solidFill>
+                <a:cs typeface="Calibri" panose="020F0502020204030204" pitchFamily="34" charset="0"/>
+              </a:rPr>
+              <a:t>Selección</a:t>
+            </a:r>
+            <a:r>
+              <a:rPr lang="en-US" sz="1600" dirty="0">
+                <a:solidFill>
+                  <a:srgbClr val="374151"/>
+                </a:solidFill>
+                <a:cs typeface="Calibri" panose="020F0502020204030204" pitchFamily="34" charset="0"/>
+              </a:rPr>
+              <a:t> de </a:t>
+            </a:r>
+            <a:r>
+              <a:rPr lang="en-US" sz="1600" dirty="0" err="1">
+                <a:solidFill>
+                  <a:srgbClr val="374151"/>
+                </a:solidFill>
+                <a:cs typeface="Calibri" panose="020F0502020204030204" pitchFamily="34" charset="0"/>
+              </a:rPr>
+              <a:t>imágenes</a:t>
+            </a:r>
+            <a:r>
+              <a:rPr lang="en-US" sz="1600" dirty="0">
+                <a:solidFill>
+                  <a:srgbClr val="374151"/>
+                </a:solidFill>
+                <a:cs typeface="Calibri" panose="020F0502020204030204" pitchFamily="34" charset="0"/>
+              </a:rPr>
+              <a:t>.</a:t>
+            </a:r>
+          </a:p>
+          <a:p>
+            <a:pPr lvl="1"/>
+            <a:r>
+              <a:rPr lang="en-US" sz="1600" dirty="0" err="1">
+                <a:solidFill>
+                  <a:srgbClr val="374151"/>
+                </a:solidFill>
+                <a:cs typeface="Calibri" panose="020F0502020204030204" pitchFamily="34" charset="0"/>
+              </a:rPr>
+              <a:t>Resolución</a:t>
+            </a:r>
+            <a:r>
+              <a:rPr lang="en-US" sz="1600" dirty="0">
+                <a:solidFill>
+                  <a:srgbClr val="374151"/>
+                </a:solidFill>
+                <a:cs typeface="Calibri" panose="020F0502020204030204" pitchFamily="34" charset="0"/>
+              </a:rPr>
+              <a:t> de </a:t>
+            </a:r>
+            <a:r>
+              <a:rPr lang="en-US" sz="1600" dirty="0" err="1">
+                <a:solidFill>
+                  <a:srgbClr val="374151"/>
+                </a:solidFill>
+                <a:cs typeface="Calibri" panose="020F0502020204030204" pitchFamily="34" charset="0"/>
+              </a:rPr>
+              <a:t>recompecabezas</a:t>
+            </a:r>
+            <a:r>
+              <a:rPr lang="en-US" sz="1600" dirty="0">
+                <a:solidFill>
+                  <a:srgbClr val="374151"/>
+                </a:solidFill>
+                <a:cs typeface="Calibri" panose="020F0502020204030204" pitchFamily="34" charset="0"/>
+              </a:rPr>
+              <a:t> de </a:t>
+            </a:r>
+            <a:r>
+              <a:rPr lang="en-US" sz="1600" dirty="0" err="1">
+                <a:solidFill>
+                  <a:srgbClr val="374151"/>
+                </a:solidFill>
+                <a:cs typeface="Calibri" panose="020F0502020204030204" pitchFamily="34" charset="0"/>
+              </a:rPr>
+              <a:t>texto</a:t>
+            </a:r>
+            <a:r>
+              <a:rPr lang="en-US" sz="1600" dirty="0">
+                <a:solidFill>
+                  <a:srgbClr val="374151"/>
+                </a:solidFill>
+                <a:cs typeface="Calibri" panose="020F0502020204030204" pitchFamily="34" charset="0"/>
+              </a:rPr>
+              <a:t>.</a:t>
+            </a:r>
+          </a:p>
+          <a:p>
+            <a:pPr lvl="1"/>
+            <a:r>
+              <a:rPr lang="en-US" sz="1600" dirty="0" err="1">
+                <a:solidFill>
+                  <a:srgbClr val="374151"/>
+                </a:solidFill>
+                <a:cs typeface="Calibri" panose="020F0502020204030204" pitchFamily="34" charset="0"/>
+              </a:rPr>
+              <a:t>Resolución</a:t>
+            </a:r>
+            <a:r>
+              <a:rPr lang="en-US" sz="1600" dirty="0">
+                <a:solidFill>
+                  <a:srgbClr val="374151"/>
+                </a:solidFill>
+                <a:cs typeface="Calibri" panose="020F0502020204030204" pitchFamily="34" charset="0"/>
+              </a:rPr>
+              <a:t> de </a:t>
+            </a:r>
+            <a:r>
+              <a:rPr lang="en-US" sz="1600" dirty="0" err="1">
+                <a:solidFill>
+                  <a:srgbClr val="374151"/>
+                </a:solidFill>
+                <a:cs typeface="Calibri" panose="020F0502020204030204" pitchFamily="34" charset="0"/>
+              </a:rPr>
+              <a:t>operaciones</a:t>
+            </a:r>
+            <a:r>
+              <a:rPr lang="en-US" sz="1600" dirty="0">
+                <a:solidFill>
+                  <a:srgbClr val="374151"/>
+                </a:solidFill>
+                <a:cs typeface="Calibri" panose="020F0502020204030204" pitchFamily="34" charset="0"/>
+              </a:rPr>
+              <a:t> </a:t>
+            </a:r>
+            <a:r>
+              <a:rPr lang="en-US" sz="1600" dirty="0" err="1">
+                <a:solidFill>
+                  <a:srgbClr val="374151"/>
+                </a:solidFill>
+                <a:cs typeface="Calibri" panose="020F0502020204030204" pitchFamily="34" charset="0"/>
+              </a:rPr>
+              <a:t>matemáticas</a:t>
+            </a:r>
+            <a:r>
+              <a:rPr lang="en-US" sz="1600" dirty="0">
+                <a:solidFill>
+                  <a:srgbClr val="374151"/>
+                </a:solidFill>
+                <a:cs typeface="Calibri" panose="020F0502020204030204" pitchFamily="34" charset="0"/>
+              </a:rPr>
+              <a:t> simples.</a:t>
+            </a:r>
+          </a:p>
+          <a:p>
+            <a:pPr lvl="1"/>
+            <a:r>
+              <a:rPr lang="en-US" sz="1600" dirty="0" err="1">
+                <a:solidFill>
+                  <a:srgbClr val="374151"/>
+                </a:solidFill>
+                <a:cs typeface="Calibri" panose="020F0502020204030204" pitchFamily="34" charset="0"/>
+              </a:rPr>
+              <a:t>Identificación</a:t>
+            </a:r>
+            <a:r>
+              <a:rPr lang="en-US" sz="1600" dirty="0">
+                <a:solidFill>
+                  <a:srgbClr val="374151"/>
+                </a:solidFill>
+                <a:cs typeface="Calibri" panose="020F0502020204030204" pitchFamily="34" charset="0"/>
+              </a:rPr>
+              <a:t> de </a:t>
+            </a:r>
+            <a:r>
+              <a:rPr lang="en-US" sz="1600" dirty="0" err="1">
+                <a:solidFill>
+                  <a:srgbClr val="374151"/>
+                </a:solidFill>
+                <a:cs typeface="Calibri" panose="020F0502020204030204" pitchFamily="34" charset="0"/>
+              </a:rPr>
+              <a:t>objetos</a:t>
+            </a:r>
+            <a:r>
+              <a:rPr lang="en-US" sz="1600" dirty="0">
+                <a:solidFill>
+                  <a:srgbClr val="374151"/>
+                </a:solidFill>
+                <a:cs typeface="Calibri" panose="020F0502020204030204" pitchFamily="34" charset="0"/>
+              </a:rPr>
+              <a:t>.</a:t>
+            </a:r>
+          </a:p>
+          <a:p>
+            <a:pPr lvl="1"/>
+            <a:r>
+              <a:rPr lang="en-US" sz="1600" dirty="0" err="1">
+                <a:solidFill>
+                  <a:srgbClr val="374151"/>
+                </a:solidFill>
+                <a:cs typeface="Calibri" panose="020F0502020204030204" pitchFamily="34" charset="0"/>
+              </a:rPr>
+              <a:t>Completar</a:t>
+            </a:r>
+            <a:r>
+              <a:rPr lang="en-US" sz="1600" dirty="0">
+                <a:solidFill>
+                  <a:srgbClr val="374151"/>
+                </a:solidFill>
+                <a:cs typeface="Calibri" panose="020F0502020204030204" pitchFamily="34" charset="0"/>
+              </a:rPr>
+              <a:t> la </a:t>
+            </a:r>
+            <a:r>
+              <a:rPr lang="en-US" sz="1600" dirty="0" err="1">
+                <a:solidFill>
+                  <a:srgbClr val="374151"/>
+                </a:solidFill>
+                <a:cs typeface="Calibri" panose="020F0502020204030204" pitchFamily="34" charset="0"/>
+              </a:rPr>
+              <a:t>secuencia</a:t>
+            </a:r>
+            <a:r>
+              <a:rPr lang="en-US" sz="1600" dirty="0">
+                <a:solidFill>
+                  <a:srgbClr val="374151"/>
+                </a:solidFill>
+                <a:cs typeface="Calibri" panose="020F0502020204030204" pitchFamily="34" charset="0"/>
+              </a:rPr>
+              <a:t> de </a:t>
+            </a:r>
+            <a:r>
+              <a:rPr lang="en-US" sz="1600" dirty="0" err="1">
+                <a:solidFill>
+                  <a:srgbClr val="374151"/>
+                </a:solidFill>
+                <a:cs typeface="Calibri" panose="020F0502020204030204" pitchFamily="34" charset="0"/>
+              </a:rPr>
+              <a:t>textos</a:t>
+            </a:r>
+            <a:r>
+              <a:rPr lang="en-US" sz="1600" dirty="0">
+                <a:solidFill>
+                  <a:srgbClr val="374151"/>
+                </a:solidFill>
+                <a:cs typeface="Calibri" panose="020F0502020204030204" pitchFamily="34" charset="0"/>
+              </a:rPr>
+              <a:t> o </a:t>
+            </a:r>
+            <a:r>
+              <a:rPr lang="en-US" sz="1600" dirty="0" err="1">
+                <a:solidFill>
+                  <a:srgbClr val="374151"/>
+                </a:solidFill>
+                <a:cs typeface="Calibri" panose="020F0502020204030204" pitchFamily="34" charset="0"/>
+              </a:rPr>
+              <a:t>numéros</a:t>
+            </a:r>
+            <a:r>
+              <a:rPr lang="en-US" sz="1600" dirty="0">
+                <a:solidFill>
+                  <a:srgbClr val="374151"/>
+                </a:solidFill>
+                <a:cs typeface="Calibri" panose="020F0502020204030204" pitchFamily="34" charset="0"/>
+              </a:rPr>
+              <a:t>.</a:t>
+            </a:r>
+            <a:endParaRPr lang="es-EC" sz="1600" dirty="0">
+              <a:cs typeface="Calibri" panose="020F0502020204030204" pitchFamily="34" charset="0"/>
+            </a:endParaRPr>
+          </a:p>
+        </p:txBody>
+      </p:sp>
+      <p:pic>
+        <p:nvPicPr>
+          <p:cNvPr id="1028" name="Picture 4" descr="Para que sirve el captcha? | Altare Servicios Profesionales">
+            <a:extLst>
+              <a:ext uri="{FF2B5EF4-FFF2-40B4-BE49-F238E27FC236}">
+                <a16:creationId xmlns:a16="http://schemas.microsoft.com/office/drawing/2014/main" id="{0D43688F-3A9C-AEB5-354A-CD8D78366FA8}"/>
+              </a:ext>
+            </a:extLst>
+          </p:cNvPr>
+          <p:cNvPicPr>
+            <a:picLocks noChangeAspect="1" noChangeArrowheads="1"/>
+          </p:cNvPicPr>
+          <p:nvPr/>
+        </p:nvPicPr>
+        <p:blipFill>
+          <a:blip r:embed="rId2">
+            <a:extLst>
+              <a:ext uri="{28A0092B-C50C-407E-A947-70E740481C1C}">
+                <a14:useLocalDpi xmlns:a14="http://schemas.microsoft.com/office/drawing/2010/main" val="0"/>
+              </a:ext>
+            </a:extLst>
+          </a:blip>
+          <a:srcRect/>
+          <a:stretch>
+            <a:fillRect/>
+          </a:stretch>
+        </p:blipFill>
+        <p:spPr bwMode="auto">
+          <a:xfrm>
+            <a:off x="1418254" y="5224261"/>
+            <a:ext cx="2024937" cy="661532"/>
+          </a:xfrm>
+          <a:prstGeom prst="rect">
+            <a:avLst/>
+          </a:prstGeom>
+          <a:noFill/>
+          <a:extLst>
+            <a:ext uri="{909E8E84-426E-40DD-AFC4-6F175D3DCCD1}">
+              <a14:hiddenFill xmlns:a14="http://schemas.microsoft.com/office/drawing/2010/main">
+                <a:solidFill>
+                  <a:srgbClr val="FFFFFF"/>
+                </a:solidFill>
+              </a14:hiddenFill>
+            </a:ext>
+          </a:extLst>
+        </p:spPr>
+      </p:pic>
+      <p:pic>
+        <p:nvPicPr>
+          <p:cNvPr id="1030" name="Picture 6" descr="CAPTCHA Can Ruin Your UX. Here's How to Use it Right">
+            <a:extLst>
+              <a:ext uri="{FF2B5EF4-FFF2-40B4-BE49-F238E27FC236}">
+                <a16:creationId xmlns:a16="http://schemas.microsoft.com/office/drawing/2014/main" id="{50FB78D1-7DA3-9C77-DC8D-2A42300D0683}"/>
+              </a:ext>
+            </a:extLst>
+          </p:cNvPr>
+          <p:cNvPicPr>
+            <a:picLocks noChangeAspect="1" noChangeArrowheads="1"/>
+          </p:cNvPicPr>
+          <p:nvPr/>
+        </p:nvPicPr>
+        <p:blipFill>
+          <a:blip r:embed="rId3">
+            <a:extLst>
+              <a:ext uri="{28A0092B-C50C-407E-A947-70E740481C1C}">
+                <a14:useLocalDpi xmlns:a14="http://schemas.microsoft.com/office/drawing/2010/main" val="0"/>
+              </a:ext>
+            </a:extLst>
+          </a:blip>
+          <a:srcRect/>
+          <a:stretch>
+            <a:fillRect/>
+          </a:stretch>
+        </p:blipFill>
+        <p:spPr bwMode="auto">
+          <a:xfrm>
+            <a:off x="8846983" y="3209182"/>
+            <a:ext cx="1851628" cy="2676611"/>
+          </a:xfrm>
+          <a:prstGeom prst="rect">
+            <a:avLst/>
+          </a:prstGeom>
+          <a:noFill/>
+          <a:extLst>
+            <a:ext uri="{909E8E84-426E-40DD-AFC4-6F175D3DCCD1}">
+              <a14:hiddenFill xmlns:a14="http://schemas.microsoft.com/office/drawing/2010/main">
+                <a:solidFill>
+                  <a:srgbClr val="FFFFFF"/>
+                </a:solidFill>
+              </a14:hiddenFill>
+            </a:ext>
+          </a:extLst>
+        </p:spPr>
+      </p:pic>
+      <p:pic>
+        <p:nvPicPr>
+          <p:cNvPr id="1032" name="Picture 8" descr="Qué son los captchas y cómo funcionan | Computer Hoy">
+            <a:extLst>
+              <a:ext uri="{FF2B5EF4-FFF2-40B4-BE49-F238E27FC236}">
+                <a16:creationId xmlns:a16="http://schemas.microsoft.com/office/drawing/2014/main" id="{0962C68A-6FCE-A7C6-8009-157962E58BBA}"/>
+              </a:ext>
+            </a:extLst>
+          </p:cNvPr>
+          <p:cNvPicPr>
+            <a:picLocks noChangeAspect="1" noChangeArrowheads="1"/>
+          </p:cNvPicPr>
+          <p:nvPr/>
+        </p:nvPicPr>
+        <p:blipFill>
+          <a:blip r:embed="rId4">
+            <a:extLst>
+              <a:ext uri="{28A0092B-C50C-407E-A947-70E740481C1C}">
+                <a14:useLocalDpi xmlns:a14="http://schemas.microsoft.com/office/drawing/2010/main" val="0"/>
+              </a:ext>
+            </a:extLst>
+          </a:blip>
+          <a:srcRect/>
+          <a:stretch>
+            <a:fillRect/>
+          </a:stretch>
+        </p:blipFill>
+        <p:spPr bwMode="auto">
+          <a:xfrm>
+            <a:off x="5765120" y="3209182"/>
+            <a:ext cx="2896483" cy="1633739"/>
+          </a:xfrm>
+          <a:prstGeom prst="rect">
+            <a:avLst/>
+          </a:prstGeom>
+          <a:noFill/>
+          <a:extLst>
+            <a:ext uri="{909E8E84-426E-40DD-AFC4-6F175D3DCCD1}">
+              <a14:hiddenFill xmlns:a14="http://schemas.microsoft.com/office/drawing/2010/main">
+                <a:solidFill>
+                  <a:srgbClr val="FFFFFF"/>
+                </a:solidFill>
+              </a14:hiddenFill>
+            </a:ext>
+          </a:extLst>
+        </p:spPr>
+      </p:pic>
+    </p:spTree>
+    <p:extLst>
+      <p:ext uri="{BB962C8B-B14F-4D97-AF65-F5344CB8AC3E}">
+        <p14:creationId xmlns:p14="http://schemas.microsoft.com/office/powerpoint/2010/main" val="806262394"/>
+      </p:ext>
+    </p:extLst>
+  </p:cSld>
+  <p:clrMapOvr>
+    <a:masterClrMapping/>
+  </p:clrMapOvr>
+</p:sld>
+</file>
+
+<file path=ppt/slides/slide11.xml><?xml version="1.0" encoding="utf-8"?>
+<p:sld xmlns:a="http://schemas.openxmlformats.org/drawingml/2006/main" xmlns:r="http://schemas.openxmlformats.org/officeDocument/2006/relationships" xmlns:p="http://schemas.openxmlformats.org/presentationml/2006/main">
+  <p:cSld>
+    <p:spTree>
+      <p:nvGrpSpPr>
+        <p:cNvPr id="1" name=""/>
+        <p:cNvGrpSpPr/>
+        <p:nvPr/>
+      </p:nvGrpSpPr>
+      <p:grpSpPr>
+        <a:xfrm>
+          <a:off x="0" y="0"/>
+          <a:ext cx="0" cy="0"/>
+          <a:chOff x="0" y="0"/>
+          <a:chExt cx="0" cy="0"/>
+        </a:xfrm>
+      </p:grpSpPr>
+      <p:sp>
+        <p:nvSpPr>
+          <p:cNvPr id="2" name="Título 1">
+            <a:extLst>
+              <a:ext uri="{FF2B5EF4-FFF2-40B4-BE49-F238E27FC236}">
+                <a16:creationId xmlns:a16="http://schemas.microsoft.com/office/drawing/2014/main" id="{B8ABAACC-5240-4E68-A4E9-ACA6E7A4B0A2}"/>
+              </a:ext>
+            </a:extLst>
+          </p:cNvPr>
+          <p:cNvSpPr>
+            <a:spLocks noGrp="1"/>
+          </p:cNvSpPr>
+          <p:nvPr>
+            <p:ph type="title" idx="4294967295"/>
+          </p:nvPr>
+        </p:nvSpPr>
+        <p:spPr>
+          <a:xfrm>
+            <a:off x="492369" y="1395046"/>
+            <a:ext cx="11218985" cy="295642"/>
+          </a:xfrm>
+        </p:spPr>
+        <p:txBody>
+          <a:bodyPr>
+            <a:noAutofit/>
+          </a:bodyPr>
+          <a:lstStyle/>
+          <a:p>
+            <a:r>
+              <a:rPr lang="es-EC" sz="3200" dirty="0"/>
+              <a:t>2.4 Mecanismos de Protección: </a:t>
+            </a:r>
+            <a:r>
+              <a:rPr lang="es-EC" sz="3200" dirty="0" err="1"/>
+              <a:t>Hashing</a:t>
+            </a:r>
+            <a:endParaRPr lang="es-EC" sz="3200" dirty="0"/>
+          </a:p>
+        </p:txBody>
+      </p:sp>
+      <p:sp>
+        <p:nvSpPr>
+          <p:cNvPr id="3" name="Marcador de contenido 2">
+            <a:extLst>
+              <a:ext uri="{FF2B5EF4-FFF2-40B4-BE49-F238E27FC236}">
+                <a16:creationId xmlns:a16="http://schemas.microsoft.com/office/drawing/2014/main" id="{055CBC30-9FA5-4F46-97C3-766A43887EE6}"/>
+              </a:ext>
+            </a:extLst>
+          </p:cNvPr>
+          <p:cNvSpPr>
+            <a:spLocks noGrp="1"/>
+          </p:cNvSpPr>
+          <p:nvPr>
+            <p:ph idx="4294967295"/>
+          </p:nvPr>
+        </p:nvSpPr>
+        <p:spPr>
+          <a:xfrm>
+            <a:off x="492369" y="1825625"/>
+            <a:ext cx="11218985" cy="4351338"/>
+          </a:xfrm>
+        </p:spPr>
+        <p:txBody>
+          <a:bodyPr>
+            <a:normAutofit/>
+          </a:bodyPr>
+          <a:lstStyle/>
+          <a:p>
+            <a:pPr marL="0" indent="0">
+              <a:buNone/>
+            </a:pPr>
+            <a:endParaRPr lang="es-EC" sz="2000" dirty="0"/>
+          </a:p>
+        </p:txBody>
+      </p:sp>
+    </p:spTree>
+    <p:extLst>
+      <p:ext uri="{BB962C8B-B14F-4D97-AF65-F5344CB8AC3E}">
+        <p14:creationId xmlns:p14="http://schemas.microsoft.com/office/powerpoint/2010/main" val="307852974"/>
+      </p:ext>
+    </p:extLst>
+  </p:cSld>
+  <p:clrMapOvr>
+    <a:masterClrMapping/>
+  </p:clrMapOvr>
+</p:sld>
+</file>
+
+<file path=ppt/slides/slide12.xml><?xml version="1.0" encoding="utf-8"?>
+<p:sld xmlns:a="http://schemas.openxmlformats.org/drawingml/2006/main" xmlns:r="http://schemas.openxmlformats.org/officeDocument/2006/relationships" xmlns:p="http://schemas.openxmlformats.org/presentationml/2006/main">
+  <p:cSld>
+    <p:spTree>
+      <p:nvGrpSpPr>
+        <p:cNvPr id="1" name=""/>
+        <p:cNvGrpSpPr/>
+        <p:nvPr/>
+      </p:nvGrpSpPr>
+      <p:grpSpPr>
+        <a:xfrm>
+          <a:off x="0" y="0"/>
+          <a:ext cx="0" cy="0"/>
+          <a:chOff x="0" y="0"/>
+          <a:chExt cx="0" cy="0"/>
+        </a:xfrm>
+      </p:grpSpPr>
+      <p:sp>
+        <p:nvSpPr>
+          <p:cNvPr id="2" name="Título 1">
+            <a:extLst>
+              <a:ext uri="{FF2B5EF4-FFF2-40B4-BE49-F238E27FC236}">
+                <a16:creationId xmlns:a16="http://schemas.microsoft.com/office/drawing/2014/main" id="{B8ABAACC-5240-4E68-A4E9-ACA6E7A4B0A2}"/>
+              </a:ext>
+            </a:extLst>
+          </p:cNvPr>
+          <p:cNvSpPr>
+            <a:spLocks noGrp="1"/>
+          </p:cNvSpPr>
+          <p:nvPr>
+            <p:ph type="title" idx="4294967295"/>
+          </p:nvPr>
+        </p:nvSpPr>
+        <p:spPr>
+          <a:xfrm>
+            <a:off x="492369" y="1395046"/>
+            <a:ext cx="11218985" cy="295642"/>
+          </a:xfrm>
+        </p:spPr>
+        <p:txBody>
+          <a:bodyPr>
+            <a:noAutofit/>
+          </a:bodyPr>
+          <a:lstStyle/>
+          <a:p>
+            <a:r>
+              <a:rPr lang="es-EC" sz="3200" dirty="0"/>
+              <a:t>2.5 Mecanismos de Protección: Cifrado simétrico</a:t>
+            </a:r>
+          </a:p>
+        </p:txBody>
+      </p:sp>
+      <p:sp>
+        <p:nvSpPr>
+          <p:cNvPr id="3" name="Marcador de contenido 2">
+            <a:extLst>
+              <a:ext uri="{FF2B5EF4-FFF2-40B4-BE49-F238E27FC236}">
+                <a16:creationId xmlns:a16="http://schemas.microsoft.com/office/drawing/2014/main" id="{055CBC30-9FA5-4F46-97C3-766A43887EE6}"/>
+              </a:ext>
+            </a:extLst>
+          </p:cNvPr>
+          <p:cNvSpPr>
+            <a:spLocks noGrp="1"/>
+          </p:cNvSpPr>
+          <p:nvPr>
+            <p:ph idx="4294967295"/>
+          </p:nvPr>
+        </p:nvSpPr>
+        <p:spPr>
+          <a:xfrm>
+            <a:off x="492369" y="1825625"/>
+            <a:ext cx="11218985" cy="4351338"/>
+          </a:xfrm>
+        </p:spPr>
+        <p:txBody>
+          <a:bodyPr>
+            <a:normAutofit/>
+          </a:bodyPr>
+          <a:lstStyle/>
+          <a:p>
+            <a:pPr marL="0" indent="0">
+              <a:buNone/>
+            </a:pPr>
+            <a:endParaRPr lang="es-EC" sz="2000" dirty="0"/>
+          </a:p>
+        </p:txBody>
+      </p:sp>
+    </p:spTree>
+    <p:extLst>
+      <p:ext uri="{BB962C8B-B14F-4D97-AF65-F5344CB8AC3E}">
+        <p14:creationId xmlns:p14="http://schemas.microsoft.com/office/powerpoint/2010/main" val="550064199"/>
+      </p:ext>
+    </p:extLst>
+  </p:cSld>
+  <p:clrMapOvr>
+    <a:masterClrMapping/>
+  </p:clrMapOvr>
+</p:sld>
+</file>
+
+<file path=ppt/slides/slide13.xml><?xml version="1.0" encoding="utf-8"?>
+<p:sld xmlns:a="http://schemas.openxmlformats.org/drawingml/2006/main" xmlns:r="http://schemas.openxmlformats.org/officeDocument/2006/relationships" xmlns:p="http://schemas.openxmlformats.org/presentationml/2006/main">
+  <p:cSld>
+    <p:spTree>
+      <p:nvGrpSpPr>
+        <p:cNvPr id="1" name=""/>
+        <p:cNvGrpSpPr/>
+        <p:nvPr/>
+      </p:nvGrpSpPr>
+      <p:grpSpPr>
+        <a:xfrm>
+          <a:off x="0" y="0"/>
+          <a:ext cx="0" cy="0"/>
+          <a:chOff x="0" y="0"/>
+          <a:chExt cx="0" cy="0"/>
+        </a:xfrm>
+      </p:grpSpPr>
+      <p:sp>
+        <p:nvSpPr>
+          <p:cNvPr id="2" name="Título 1">
+            <a:extLst>
+              <a:ext uri="{FF2B5EF4-FFF2-40B4-BE49-F238E27FC236}">
+                <a16:creationId xmlns:a16="http://schemas.microsoft.com/office/drawing/2014/main" id="{B8ABAACC-5240-4E68-A4E9-ACA6E7A4B0A2}"/>
+              </a:ext>
+            </a:extLst>
+          </p:cNvPr>
+          <p:cNvSpPr>
+            <a:spLocks noGrp="1"/>
+          </p:cNvSpPr>
+          <p:nvPr>
+            <p:ph type="title" idx="4294967295"/>
+          </p:nvPr>
+        </p:nvSpPr>
+        <p:spPr>
+          <a:xfrm>
+            <a:off x="492369" y="1395046"/>
+            <a:ext cx="11218985" cy="295642"/>
+          </a:xfrm>
+        </p:spPr>
+        <p:txBody>
+          <a:bodyPr>
+            <a:noAutofit/>
+          </a:bodyPr>
+          <a:lstStyle/>
+          <a:p>
+            <a:r>
+              <a:rPr lang="es-EC" sz="3200" dirty="0"/>
+              <a:t>2.6 Mecanismos de Protección: Cifrado asimétrico</a:t>
+            </a:r>
+          </a:p>
+        </p:txBody>
+      </p:sp>
+      <p:sp>
+        <p:nvSpPr>
+          <p:cNvPr id="3" name="Marcador de contenido 2">
+            <a:extLst>
+              <a:ext uri="{FF2B5EF4-FFF2-40B4-BE49-F238E27FC236}">
+                <a16:creationId xmlns:a16="http://schemas.microsoft.com/office/drawing/2014/main" id="{055CBC30-9FA5-4F46-97C3-766A43887EE6}"/>
+              </a:ext>
+            </a:extLst>
+          </p:cNvPr>
+          <p:cNvSpPr>
+            <a:spLocks noGrp="1"/>
+          </p:cNvSpPr>
+          <p:nvPr>
+            <p:ph idx="4294967295"/>
+          </p:nvPr>
+        </p:nvSpPr>
+        <p:spPr>
+          <a:xfrm>
+            <a:off x="492369" y="1825625"/>
+            <a:ext cx="11218985" cy="4351338"/>
+          </a:xfrm>
+        </p:spPr>
+        <p:txBody>
+          <a:bodyPr>
+            <a:normAutofit/>
+          </a:bodyPr>
+          <a:lstStyle/>
+          <a:p>
+            <a:pPr marL="0" indent="0">
+              <a:buNone/>
+            </a:pPr>
+            <a:endParaRPr lang="es-EC" sz="2000" dirty="0"/>
+          </a:p>
+        </p:txBody>
+      </p:sp>
+    </p:spTree>
+    <p:extLst>
+      <p:ext uri="{BB962C8B-B14F-4D97-AF65-F5344CB8AC3E}">
+        <p14:creationId xmlns:p14="http://schemas.microsoft.com/office/powerpoint/2010/main" val="1699068155"/>
+      </p:ext>
+    </p:extLst>
+  </p:cSld>
+  <p:clrMapOvr>
+    <a:masterClrMapping/>
+  </p:clrMapOvr>
+</p:sld>
+</file>
+
+<file path=ppt/slides/slide14.xml><?xml version="1.0" encoding="utf-8"?>
+<p:sld xmlns:a="http://schemas.openxmlformats.org/drawingml/2006/main" xmlns:r="http://schemas.openxmlformats.org/officeDocument/2006/relationships" xmlns:p="http://schemas.openxmlformats.org/presentationml/2006/main">
+  <p:cSld>
+    <p:spTree>
+      <p:nvGrpSpPr>
+        <p:cNvPr id="1" name=""/>
+        <p:cNvGrpSpPr/>
+        <p:nvPr/>
+      </p:nvGrpSpPr>
+      <p:grpSpPr>
+        <a:xfrm>
+          <a:off x="0" y="0"/>
+          <a:ext cx="0" cy="0"/>
+          <a:chOff x="0" y="0"/>
+          <a:chExt cx="0" cy="0"/>
+        </a:xfrm>
+      </p:grpSpPr>
+    </p:spTree>
+    <p:extLst>
+      <p:ext uri="{BB962C8B-B14F-4D97-AF65-F5344CB8AC3E}">
+        <p14:creationId xmlns:p14="http://schemas.microsoft.com/office/powerpoint/2010/main" val="1741919490"/>
       </p:ext>
     </p:extLst>
   </p:cSld>
@@ -1179,7 +2298,7 @@
           <a:p>
             <a:r>
               <a:rPr lang="es-EC" sz="3200" dirty="0"/>
-              <a:t>1.1 Seguridad de la Información y Seguridad Informática</a:t>
+              <a:t>2.1 Riesgo</a:t>
             </a:r>
           </a:p>
         </p:txBody>
@@ -1212,10 +2331,81 @@
           </a:bodyPr>
           <a:lstStyle/>
           <a:p>
-            <a:pPr marL="0" indent="0">
-              <a:buNone/>
-            </a:pPr>
-            <a:endParaRPr lang="es-EC" sz="2000" dirty="0"/>
+            <a:r>
+              <a:rPr lang="es-EC" sz="2000" b="1" dirty="0"/>
+              <a:t>Activo: </a:t>
+            </a:r>
+            <a:r>
+              <a:rPr lang="es-EC" sz="2000" dirty="0"/>
+              <a:t>Todo recurso ya sea tangible o intangible con valor para un individuo u organización.</a:t>
+            </a:r>
+            <a:endParaRPr lang="es-EC" sz="2000" b="1" dirty="0"/>
+          </a:p>
+          <a:p>
+            <a:r>
+              <a:rPr lang="es-EC" sz="2000" b="1" dirty="0"/>
+              <a:t>Vulnerabilidad: </a:t>
+            </a:r>
+            <a:r>
+              <a:rPr lang="es-EC" sz="2000" dirty="0"/>
+              <a:t>Debilidad en el diseño, arquitectura o modo de funcionamiento de un componente.</a:t>
+            </a:r>
+          </a:p>
+          <a:p>
+            <a:r>
+              <a:rPr lang="es-EC" sz="2000" b="1" dirty="0"/>
+              <a:t>Amenaza: </a:t>
+            </a:r>
+            <a:r>
+              <a:rPr lang="es-EC" sz="2000" dirty="0"/>
+              <a:t>Entidad capaz de explotar una vulnerabilidad para aprovecharla.</a:t>
+            </a:r>
+          </a:p>
+          <a:p>
+            <a:r>
+              <a:rPr lang="es-EC" sz="2000" b="1" dirty="0"/>
+              <a:t>Ataque (</a:t>
+            </a:r>
+            <a:r>
+              <a:rPr lang="es-EC" sz="2000" b="1" dirty="0" err="1"/>
+              <a:t>Exploit</a:t>
+            </a:r>
+            <a:r>
+              <a:rPr lang="es-EC" sz="2000" b="1" dirty="0"/>
+              <a:t>): </a:t>
+            </a:r>
+            <a:r>
+              <a:rPr lang="es-EC" sz="2000" dirty="0"/>
+              <a:t>Escenario en el que una o varias amenazas explotan una vulnerabilidad.</a:t>
+            </a:r>
+          </a:p>
+          <a:p>
+            <a:r>
+              <a:rPr lang="es-EC" sz="2000" b="1" dirty="0"/>
+              <a:t>Riesgo: </a:t>
+            </a:r>
+            <a:r>
+              <a:rPr lang="es-EC" sz="2000" dirty="0"/>
+              <a:t>Probabilidad de que una o varias amenazas exploten una vulnerabilidad.</a:t>
+            </a:r>
+          </a:p>
+          <a:p>
+            <a:r>
+              <a:rPr lang="es-EC" sz="2000" b="1" dirty="0"/>
+              <a:t>Impacto:</a:t>
+            </a:r>
+            <a:r>
+              <a:rPr lang="es-EC" sz="2000" dirty="0"/>
+              <a:t> Grado de afectación debido a un ataque o </a:t>
+            </a:r>
+            <a:r>
+              <a:rPr lang="es-EC" sz="2000" dirty="0" err="1"/>
+              <a:t>exploit</a:t>
+            </a:r>
+            <a:r>
+              <a:rPr lang="es-EC" sz="2000" dirty="0"/>
+              <a:t>.</a:t>
+            </a:r>
           </a:p>
         </p:txBody>
       </p:sp>
@@ -1249,10 +2439,1282 @@
           <a:chExt cx="0" cy="0"/>
         </a:xfrm>
       </p:grpSpPr>
+      <p:sp>
+        <p:nvSpPr>
+          <p:cNvPr id="2" name="Título 1">
+            <a:extLst>
+              <a:ext uri="{FF2B5EF4-FFF2-40B4-BE49-F238E27FC236}">
+                <a16:creationId xmlns:a16="http://schemas.microsoft.com/office/drawing/2014/main" id="{B8ABAACC-5240-4E68-A4E9-ACA6E7A4B0A2}"/>
+              </a:ext>
+            </a:extLst>
+          </p:cNvPr>
+          <p:cNvSpPr>
+            <a:spLocks noGrp="1"/>
+          </p:cNvSpPr>
+          <p:nvPr>
+            <p:ph type="title" idx="4294967295"/>
+          </p:nvPr>
+        </p:nvSpPr>
+        <p:spPr>
+          <a:xfrm>
+            <a:off x="492369" y="1395046"/>
+            <a:ext cx="11218985" cy="295642"/>
+          </a:xfrm>
+        </p:spPr>
+        <p:txBody>
+          <a:bodyPr>
+            <a:noAutofit/>
+          </a:bodyPr>
+          <a:lstStyle/>
+          <a:p>
+            <a:r>
+              <a:rPr lang="es-EC" sz="3200" dirty="0"/>
+              <a:t>2.1 Riesgo</a:t>
+            </a:r>
+          </a:p>
+        </p:txBody>
+      </p:sp>
+      <p:sp>
+        <p:nvSpPr>
+          <p:cNvPr id="3" name="Marcador de contenido 2">
+            <a:extLst>
+              <a:ext uri="{FF2B5EF4-FFF2-40B4-BE49-F238E27FC236}">
+                <a16:creationId xmlns:a16="http://schemas.microsoft.com/office/drawing/2014/main" id="{055CBC30-9FA5-4F46-97C3-766A43887EE6}"/>
+              </a:ext>
+            </a:extLst>
+          </p:cNvPr>
+          <p:cNvSpPr>
+            <a:spLocks noGrp="1"/>
+          </p:cNvSpPr>
+          <p:nvPr>
+            <p:ph idx="4294967295"/>
+          </p:nvPr>
+        </p:nvSpPr>
+        <p:spPr>
+          <a:xfrm>
+            <a:off x="492369" y="1825625"/>
+            <a:ext cx="11218985" cy="4351338"/>
+          </a:xfrm>
+        </p:spPr>
+        <p:txBody>
+          <a:bodyPr>
+            <a:normAutofit/>
+          </a:bodyPr>
+          <a:lstStyle/>
+          <a:p>
+            <a:r>
+              <a:rPr lang="es-EC" sz="2000" dirty="0"/>
+              <a:t>Las vulnerabilidades se listan en bases de datos:</a:t>
+            </a:r>
+          </a:p>
+          <a:p>
+            <a:pPr lvl="1"/>
+            <a:r>
+              <a:rPr lang="es-EC" sz="1600" dirty="0"/>
+              <a:t>CVE (</a:t>
+            </a:r>
+            <a:r>
+              <a:rPr lang="es-EC" sz="1600" dirty="0" err="1"/>
+              <a:t>Common</a:t>
+            </a:r>
+            <a:r>
+              <a:rPr lang="es-EC" sz="1600" dirty="0"/>
+              <a:t> </a:t>
+            </a:r>
+            <a:r>
+              <a:rPr lang="es-EC" sz="1600" dirty="0" err="1"/>
+              <a:t>vulnerabilities</a:t>
+            </a:r>
+            <a:r>
+              <a:rPr lang="es-EC" sz="1600" dirty="0"/>
+              <a:t> and </a:t>
+            </a:r>
+            <a:r>
+              <a:rPr lang="es-EC" sz="1600" dirty="0" err="1"/>
+              <a:t>Exposures</a:t>
+            </a:r>
+            <a:r>
+              <a:rPr lang="es-EC" sz="1600" dirty="0"/>
+              <a:t>)</a:t>
+            </a:r>
+          </a:p>
+          <a:p>
+            <a:pPr lvl="1"/>
+            <a:r>
+              <a:rPr lang="es-EC" sz="1600" dirty="0"/>
+              <a:t>NVD (</a:t>
+            </a:r>
+            <a:r>
+              <a:rPr lang="es-EC" sz="1600" dirty="0" err="1"/>
+              <a:t>National</a:t>
+            </a:r>
+            <a:r>
+              <a:rPr lang="es-EC" sz="1600" dirty="0"/>
+              <a:t> </a:t>
+            </a:r>
+            <a:r>
+              <a:rPr lang="es-EC" sz="1600" dirty="0" err="1"/>
+              <a:t>Vulnerability</a:t>
+            </a:r>
+            <a:r>
+              <a:rPr lang="es-EC" sz="1600" dirty="0"/>
+              <a:t> </a:t>
+            </a:r>
+            <a:r>
+              <a:rPr lang="es-EC" sz="1600" dirty="0" err="1"/>
+              <a:t>Database</a:t>
+            </a:r>
+            <a:r>
+              <a:rPr lang="es-EC" sz="1600" dirty="0"/>
+              <a:t>)</a:t>
+            </a:r>
+          </a:p>
+          <a:p>
+            <a:pPr lvl="1"/>
+            <a:r>
+              <a:rPr lang="es-419" sz="1600" dirty="0"/>
+              <a:t>OSV (Open </a:t>
+            </a:r>
+            <a:r>
+              <a:rPr lang="es-419" sz="1600" dirty="0" err="1"/>
+              <a:t>Source</a:t>
+            </a:r>
+            <a:r>
+              <a:rPr lang="es-419" sz="1600" dirty="0"/>
+              <a:t> </a:t>
+            </a:r>
+            <a:r>
+              <a:rPr lang="es-419" sz="1600" dirty="0" err="1"/>
+              <a:t>Vulnerabilities</a:t>
+            </a:r>
+            <a:r>
+              <a:rPr lang="es-419" sz="1600" dirty="0"/>
+              <a:t>)</a:t>
+            </a:r>
+            <a:endParaRPr lang="es-EC" sz="1600" dirty="0"/>
+          </a:p>
+          <a:p>
+            <a:pPr lvl="1"/>
+            <a:r>
+              <a:rPr lang="es-419" sz="1600" dirty="0"/>
+              <a:t>CWE (</a:t>
+            </a:r>
+            <a:r>
+              <a:rPr lang="es-419" sz="1600" dirty="0" err="1"/>
+              <a:t>Common</a:t>
+            </a:r>
+            <a:r>
+              <a:rPr lang="es-419" sz="1600" dirty="0"/>
+              <a:t> </a:t>
+            </a:r>
+            <a:r>
+              <a:rPr lang="es-419" sz="1600" dirty="0" err="1"/>
+              <a:t>Weakness</a:t>
+            </a:r>
+            <a:r>
+              <a:rPr lang="es-419" sz="1600" dirty="0"/>
+              <a:t> </a:t>
+            </a:r>
+            <a:r>
+              <a:rPr lang="es-419" sz="1600" dirty="0" err="1"/>
+              <a:t>Enumeration</a:t>
+            </a:r>
+            <a:r>
+              <a:rPr lang="es-419" sz="1600" dirty="0"/>
+              <a:t>)</a:t>
+            </a:r>
+          </a:p>
+          <a:p>
+            <a:pPr lvl="1"/>
+            <a:r>
+              <a:rPr lang="es-419" sz="1600" dirty="0" err="1"/>
+              <a:t>Bugtraq</a:t>
+            </a:r>
+            <a:endParaRPr lang="es-EC" sz="1600" dirty="0"/>
+          </a:p>
+        </p:txBody>
+      </p:sp>
+      <p:pic>
+        <p:nvPicPr>
+          <p:cNvPr id="2050" name="Picture 2" descr="What is a CVE and why is it important? - The SysAdmin School">
+            <a:extLst>
+              <a:ext uri="{FF2B5EF4-FFF2-40B4-BE49-F238E27FC236}">
+                <a16:creationId xmlns:a16="http://schemas.microsoft.com/office/drawing/2014/main" id="{9068D18D-6A47-65C2-AC05-9339E4DA6F03}"/>
+              </a:ext>
+            </a:extLst>
+          </p:cNvPr>
+          <p:cNvPicPr>
+            <a:picLocks noChangeAspect="1" noChangeArrowheads="1"/>
+          </p:cNvPicPr>
+          <p:nvPr/>
+        </p:nvPicPr>
+        <p:blipFill>
+          <a:blip r:embed="rId2">
+            <a:extLst>
+              <a:ext uri="{28A0092B-C50C-407E-A947-70E740481C1C}">
+                <a14:useLocalDpi xmlns:a14="http://schemas.microsoft.com/office/drawing/2010/main" val="0"/>
+              </a:ext>
+            </a:extLst>
+          </a:blip>
+          <a:srcRect/>
+          <a:stretch>
+            <a:fillRect/>
+          </a:stretch>
+        </p:blipFill>
+        <p:spPr bwMode="auto">
+          <a:xfrm>
+            <a:off x="1487748" y="4049487"/>
+            <a:ext cx="3648488" cy="1628968"/>
+          </a:xfrm>
+          <a:prstGeom prst="rect">
+            <a:avLst/>
+          </a:prstGeom>
+          <a:noFill/>
+          <a:extLst>
+            <a:ext uri="{909E8E84-426E-40DD-AFC4-6F175D3DCCD1}">
+              <a14:hiddenFill xmlns:a14="http://schemas.microsoft.com/office/drawing/2010/main">
+                <a:solidFill>
+                  <a:srgbClr val="FFFFFF"/>
+                </a:solidFill>
+              </a14:hiddenFill>
+            </a:ext>
+          </a:extLst>
+        </p:spPr>
+      </p:pic>
+      <p:pic>
+        <p:nvPicPr>
+          <p:cNvPr id="2052" name="Picture 4" descr="Introduction to OSV | OSV">
+            <a:extLst>
+              <a:ext uri="{FF2B5EF4-FFF2-40B4-BE49-F238E27FC236}">
+                <a16:creationId xmlns:a16="http://schemas.microsoft.com/office/drawing/2014/main" id="{96C9BA88-6FDF-A2A2-FED0-EA0BB8A57658}"/>
+              </a:ext>
+            </a:extLst>
+          </p:cNvPr>
+          <p:cNvPicPr>
+            <a:picLocks noChangeAspect="1" noChangeArrowheads="1"/>
+          </p:cNvPicPr>
+          <p:nvPr/>
+        </p:nvPicPr>
+        <p:blipFill>
+          <a:blip r:embed="rId3">
+            <a:extLst>
+              <a:ext uri="{28A0092B-C50C-407E-A947-70E740481C1C}">
+                <a14:useLocalDpi xmlns:a14="http://schemas.microsoft.com/office/drawing/2010/main" val="0"/>
+              </a:ext>
+            </a:extLst>
+          </a:blip>
+          <a:srcRect/>
+          <a:stretch>
+            <a:fillRect/>
+          </a:stretch>
+        </p:blipFill>
+        <p:spPr bwMode="auto">
+          <a:xfrm>
+            <a:off x="6449607" y="1492674"/>
+            <a:ext cx="4699308" cy="1019407"/>
+          </a:xfrm>
+          <a:prstGeom prst="rect">
+            <a:avLst/>
+          </a:prstGeom>
+          <a:noFill/>
+          <a:extLst>
+            <a:ext uri="{909E8E84-426E-40DD-AFC4-6F175D3DCCD1}">
+              <a14:hiddenFill xmlns:a14="http://schemas.microsoft.com/office/drawing/2010/main">
+                <a:solidFill>
+                  <a:srgbClr val="FFFFFF"/>
+                </a:solidFill>
+              </a14:hiddenFill>
+            </a:ext>
+          </a:extLst>
+        </p:spPr>
+      </p:pic>
+      <p:pic>
+        <p:nvPicPr>
+          <p:cNvPr id="2054" name="Picture 6" descr="The National Vulnerability Database Explained | Mend">
+            <a:extLst>
+              <a:ext uri="{FF2B5EF4-FFF2-40B4-BE49-F238E27FC236}">
+                <a16:creationId xmlns:a16="http://schemas.microsoft.com/office/drawing/2014/main" id="{C8F20EDC-F789-C6CD-4BE4-AD889BC312CB}"/>
+              </a:ext>
+            </a:extLst>
+          </p:cNvPr>
+          <p:cNvPicPr>
+            <a:picLocks noChangeAspect="1" noChangeArrowheads="1"/>
+          </p:cNvPicPr>
+          <p:nvPr/>
+        </p:nvPicPr>
+        <p:blipFill>
+          <a:blip r:embed="rId4">
+            <a:extLst>
+              <a:ext uri="{28A0092B-C50C-407E-A947-70E740481C1C}">
+                <a14:useLocalDpi xmlns:a14="http://schemas.microsoft.com/office/drawing/2010/main" val="0"/>
+              </a:ext>
+            </a:extLst>
+          </a:blip>
+          <a:srcRect/>
+          <a:stretch>
+            <a:fillRect/>
+          </a:stretch>
+        </p:blipFill>
+        <p:spPr bwMode="auto">
+          <a:xfrm>
+            <a:off x="6288833" y="3743129"/>
+            <a:ext cx="4002833" cy="2001417"/>
+          </a:xfrm>
+          <a:prstGeom prst="rect">
+            <a:avLst/>
+          </a:prstGeom>
+          <a:noFill/>
+          <a:extLst>
+            <a:ext uri="{909E8E84-426E-40DD-AFC4-6F175D3DCCD1}">
+              <a14:hiddenFill xmlns:a14="http://schemas.microsoft.com/office/drawing/2010/main">
+                <a:solidFill>
+                  <a:srgbClr val="FFFFFF"/>
+                </a:solidFill>
+              </a14:hiddenFill>
+            </a:ext>
+          </a:extLst>
+        </p:spPr>
+      </p:pic>
     </p:spTree>
     <p:extLst>
       <p:ext uri="{BB962C8B-B14F-4D97-AF65-F5344CB8AC3E}">
-        <p14:creationId xmlns:p14="http://schemas.microsoft.com/office/powerpoint/2010/main" val="1741919490"/>
+        <p14:creationId xmlns:p14="http://schemas.microsoft.com/office/powerpoint/2010/main" val="1842322897"/>
+      </p:ext>
+    </p:extLst>
+  </p:cSld>
+  <p:clrMapOvr>
+    <a:masterClrMapping/>
+  </p:clrMapOvr>
+</p:sld>
+</file>
+
+<file path=ppt/slides/slide4.xml><?xml version="1.0" encoding="utf-8"?>
+<p:sld xmlns:a="http://schemas.openxmlformats.org/drawingml/2006/main" xmlns:r="http://schemas.openxmlformats.org/officeDocument/2006/relationships" xmlns:p="http://schemas.openxmlformats.org/presentationml/2006/main">
+  <p:cSld>
+    <p:spTree>
+      <p:nvGrpSpPr>
+        <p:cNvPr id="1" name=""/>
+        <p:cNvGrpSpPr/>
+        <p:nvPr/>
+      </p:nvGrpSpPr>
+      <p:grpSpPr>
+        <a:xfrm>
+          <a:off x="0" y="0"/>
+          <a:ext cx="0" cy="0"/>
+          <a:chOff x="0" y="0"/>
+          <a:chExt cx="0" cy="0"/>
+        </a:xfrm>
+      </p:grpSpPr>
+      <p:sp>
+        <p:nvSpPr>
+          <p:cNvPr id="2" name="Título 1">
+            <a:extLst>
+              <a:ext uri="{FF2B5EF4-FFF2-40B4-BE49-F238E27FC236}">
+                <a16:creationId xmlns:a16="http://schemas.microsoft.com/office/drawing/2014/main" id="{B8ABAACC-5240-4E68-A4E9-ACA6E7A4B0A2}"/>
+              </a:ext>
+            </a:extLst>
+          </p:cNvPr>
+          <p:cNvSpPr>
+            <a:spLocks noGrp="1"/>
+          </p:cNvSpPr>
+          <p:nvPr>
+            <p:ph type="title" idx="4294967295"/>
+          </p:nvPr>
+        </p:nvSpPr>
+        <p:spPr>
+          <a:xfrm>
+            <a:off x="492369" y="1395046"/>
+            <a:ext cx="11218985" cy="295642"/>
+          </a:xfrm>
+        </p:spPr>
+        <p:txBody>
+          <a:bodyPr>
+            <a:noAutofit/>
+          </a:bodyPr>
+          <a:lstStyle/>
+          <a:p>
+            <a:r>
+              <a:rPr lang="es-EC" sz="3200" dirty="0"/>
+              <a:t>2.1 Riesgo</a:t>
+            </a:r>
+          </a:p>
+        </p:txBody>
+      </p:sp>
+      <p:sp>
+        <p:nvSpPr>
+          <p:cNvPr id="3" name="Marcador de contenido 2">
+            <a:extLst>
+              <a:ext uri="{FF2B5EF4-FFF2-40B4-BE49-F238E27FC236}">
+                <a16:creationId xmlns:a16="http://schemas.microsoft.com/office/drawing/2014/main" id="{055CBC30-9FA5-4F46-97C3-766A43887EE6}"/>
+              </a:ext>
+            </a:extLst>
+          </p:cNvPr>
+          <p:cNvSpPr>
+            <a:spLocks noGrp="1"/>
+          </p:cNvSpPr>
+          <p:nvPr>
+            <p:ph idx="4294967295"/>
+          </p:nvPr>
+        </p:nvSpPr>
+        <p:spPr>
+          <a:xfrm>
+            <a:off x="492369" y="1825625"/>
+            <a:ext cx="11218985" cy="4351338"/>
+          </a:xfrm>
+        </p:spPr>
+        <p:txBody>
+          <a:bodyPr>
+            <a:normAutofit/>
+          </a:bodyPr>
+          <a:lstStyle/>
+          <a:p>
+            <a:r>
+              <a:rPr lang="es-EC" sz="2000" b="1" dirty="0"/>
+              <a:t>Tarea: CVE</a:t>
+            </a:r>
+          </a:p>
+          <a:p>
+            <a:r>
+              <a:rPr lang="es-EC" sz="2000" dirty="0"/>
+              <a:t>Identificar de la base de datos CVE tres vulnerabilidades de cualquier dominio y describir cada uno en una ficha técnica identificando el código y el principio de seguridad de la información que afecta.</a:t>
+            </a:r>
+          </a:p>
+        </p:txBody>
+      </p:sp>
+      <p:pic>
+        <p:nvPicPr>
+          <p:cNvPr id="11" name="Imagen 10">
+            <a:extLst>
+              <a:ext uri="{FF2B5EF4-FFF2-40B4-BE49-F238E27FC236}">
+                <a16:creationId xmlns:a16="http://schemas.microsoft.com/office/drawing/2014/main" id="{69533599-34B4-0984-42DB-F3FD1BC176DD}"/>
+              </a:ext>
+            </a:extLst>
+          </p:cNvPr>
+          <p:cNvPicPr>
+            <a:picLocks noChangeAspect="1"/>
+          </p:cNvPicPr>
+          <p:nvPr/>
+        </p:nvPicPr>
+        <p:blipFill>
+          <a:blip r:embed="rId2"/>
+          <a:stretch>
+            <a:fillRect/>
+          </a:stretch>
+        </p:blipFill>
+        <p:spPr>
+          <a:xfrm>
+            <a:off x="3577991" y="3051110"/>
+            <a:ext cx="5663085" cy="2807027"/>
+          </a:xfrm>
+          <a:prstGeom prst="rect">
+            <a:avLst/>
+          </a:prstGeom>
+        </p:spPr>
+      </p:pic>
+    </p:spTree>
+    <p:extLst>
+      <p:ext uri="{BB962C8B-B14F-4D97-AF65-F5344CB8AC3E}">
+        <p14:creationId xmlns:p14="http://schemas.microsoft.com/office/powerpoint/2010/main" val="570818569"/>
+      </p:ext>
+    </p:extLst>
+  </p:cSld>
+  <p:clrMapOvr>
+    <a:masterClrMapping/>
+  </p:clrMapOvr>
+</p:sld>
+</file>
+
+<file path=ppt/slides/slide5.xml><?xml version="1.0" encoding="utf-8"?>
+<p:sld xmlns:a="http://schemas.openxmlformats.org/drawingml/2006/main" xmlns:r="http://schemas.openxmlformats.org/officeDocument/2006/relationships" xmlns:p="http://schemas.openxmlformats.org/presentationml/2006/main">
+  <p:cSld>
+    <p:spTree>
+      <p:nvGrpSpPr>
+        <p:cNvPr id="1" name=""/>
+        <p:cNvGrpSpPr/>
+        <p:nvPr/>
+      </p:nvGrpSpPr>
+      <p:grpSpPr>
+        <a:xfrm>
+          <a:off x="0" y="0"/>
+          <a:ext cx="0" cy="0"/>
+          <a:chOff x="0" y="0"/>
+          <a:chExt cx="0" cy="0"/>
+        </a:xfrm>
+      </p:grpSpPr>
+      <p:sp>
+        <p:nvSpPr>
+          <p:cNvPr id="2" name="Título 1">
+            <a:extLst>
+              <a:ext uri="{FF2B5EF4-FFF2-40B4-BE49-F238E27FC236}">
+                <a16:creationId xmlns:a16="http://schemas.microsoft.com/office/drawing/2014/main" id="{B8ABAACC-5240-4E68-A4E9-ACA6E7A4B0A2}"/>
+              </a:ext>
+            </a:extLst>
+          </p:cNvPr>
+          <p:cNvSpPr>
+            <a:spLocks noGrp="1"/>
+          </p:cNvSpPr>
+          <p:nvPr>
+            <p:ph type="title" idx="4294967295"/>
+          </p:nvPr>
+        </p:nvSpPr>
+        <p:spPr>
+          <a:xfrm>
+            <a:off x="492369" y="1395046"/>
+            <a:ext cx="11218985" cy="295642"/>
+          </a:xfrm>
+        </p:spPr>
+        <p:txBody>
+          <a:bodyPr>
+            <a:noAutofit/>
+          </a:bodyPr>
+          <a:lstStyle/>
+          <a:p>
+            <a:r>
+              <a:rPr lang="es-EC" sz="3200" dirty="0"/>
+              <a:t>2.1 Riesgo</a:t>
+            </a:r>
+          </a:p>
+        </p:txBody>
+      </p:sp>
+      <p:pic>
+        <p:nvPicPr>
+          <p:cNvPr id="4" name="Imagen 3">
+            <a:extLst>
+              <a:ext uri="{FF2B5EF4-FFF2-40B4-BE49-F238E27FC236}">
+                <a16:creationId xmlns:a16="http://schemas.microsoft.com/office/drawing/2014/main" id="{9E73FA3E-EC5A-4BA1-EEE0-AC321D9C3F7A}"/>
+              </a:ext>
+            </a:extLst>
+          </p:cNvPr>
+          <p:cNvPicPr>
+            <a:picLocks noChangeAspect="1"/>
+          </p:cNvPicPr>
+          <p:nvPr/>
+        </p:nvPicPr>
+        <p:blipFill>
+          <a:blip r:embed="rId2"/>
+          <a:stretch>
+            <a:fillRect/>
+          </a:stretch>
+        </p:blipFill>
+        <p:spPr>
+          <a:xfrm>
+            <a:off x="1841240" y="1987420"/>
+            <a:ext cx="8247894" cy="4030825"/>
+          </a:xfrm>
+          <a:prstGeom prst="rect">
+            <a:avLst/>
+          </a:prstGeom>
+        </p:spPr>
+      </p:pic>
+    </p:spTree>
+    <p:extLst>
+      <p:ext uri="{BB962C8B-B14F-4D97-AF65-F5344CB8AC3E}">
+        <p14:creationId xmlns:p14="http://schemas.microsoft.com/office/powerpoint/2010/main" val="766750819"/>
+      </p:ext>
+    </p:extLst>
+  </p:cSld>
+  <p:clrMapOvr>
+    <a:masterClrMapping/>
+  </p:clrMapOvr>
+</p:sld>
+</file>
+
+<file path=ppt/slides/slide6.xml><?xml version="1.0" encoding="utf-8"?>
+<p:sld xmlns:a="http://schemas.openxmlformats.org/drawingml/2006/main" xmlns:r="http://schemas.openxmlformats.org/officeDocument/2006/relationships" xmlns:p="http://schemas.openxmlformats.org/presentationml/2006/main">
+  <p:cSld>
+    <p:spTree>
+      <p:nvGrpSpPr>
+        <p:cNvPr id="1" name=""/>
+        <p:cNvGrpSpPr/>
+        <p:nvPr/>
+      </p:nvGrpSpPr>
+      <p:grpSpPr>
+        <a:xfrm>
+          <a:off x="0" y="0"/>
+          <a:ext cx="0" cy="0"/>
+          <a:chOff x="0" y="0"/>
+          <a:chExt cx="0" cy="0"/>
+        </a:xfrm>
+      </p:grpSpPr>
+      <p:sp>
+        <p:nvSpPr>
+          <p:cNvPr id="2" name="Título 1">
+            <a:extLst>
+              <a:ext uri="{FF2B5EF4-FFF2-40B4-BE49-F238E27FC236}">
+                <a16:creationId xmlns:a16="http://schemas.microsoft.com/office/drawing/2014/main" id="{B8ABAACC-5240-4E68-A4E9-ACA6E7A4B0A2}"/>
+              </a:ext>
+            </a:extLst>
+          </p:cNvPr>
+          <p:cNvSpPr>
+            <a:spLocks noGrp="1"/>
+          </p:cNvSpPr>
+          <p:nvPr>
+            <p:ph type="title" idx="4294967295"/>
+          </p:nvPr>
+        </p:nvSpPr>
+        <p:spPr>
+          <a:xfrm>
+            <a:off x="492369" y="1395046"/>
+            <a:ext cx="11218985" cy="295642"/>
+          </a:xfrm>
+        </p:spPr>
+        <p:txBody>
+          <a:bodyPr>
+            <a:noAutofit/>
+          </a:bodyPr>
+          <a:lstStyle/>
+          <a:p>
+            <a:r>
+              <a:rPr lang="es-EC" sz="3200" dirty="0"/>
+              <a:t>2.1 Riesgo</a:t>
+            </a:r>
+          </a:p>
+        </p:txBody>
+      </p:sp>
+      <p:sp>
+        <p:nvSpPr>
+          <p:cNvPr id="3" name="Marcador de contenido 2">
+            <a:extLst>
+              <a:ext uri="{FF2B5EF4-FFF2-40B4-BE49-F238E27FC236}">
+                <a16:creationId xmlns:a16="http://schemas.microsoft.com/office/drawing/2014/main" id="{055CBC30-9FA5-4F46-97C3-766A43887EE6}"/>
+              </a:ext>
+            </a:extLst>
+          </p:cNvPr>
+          <p:cNvSpPr>
+            <a:spLocks noGrp="1"/>
+          </p:cNvSpPr>
+          <p:nvPr>
+            <p:ph idx="4294967295"/>
+          </p:nvPr>
+        </p:nvSpPr>
+        <p:spPr>
+          <a:xfrm>
+            <a:off x="492369" y="1825625"/>
+            <a:ext cx="11218985" cy="4351338"/>
+          </a:xfrm>
+        </p:spPr>
+        <p:txBody>
+          <a:bodyPr>
+            <a:normAutofit/>
+          </a:bodyPr>
+          <a:lstStyle/>
+          <a:p>
+            <a:r>
+              <a:rPr lang="es-EC" sz="2000" dirty="0"/>
+              <a:t>Los ataques contra las amenazas pueden ser encontrados en el MITRE ATT&amp;CK.</a:t>
+            </a:r>
+          </a:p>
+        </p:txBody>
+      </p:sp>
+      <p:pic>
+        <p:nvPicPr>
+          <p:cNvPr id="9" name="Imagen 8">
+            <a:extLst>
+              <a:ext uri="{FF2B5EF4-FFF2-40B4-BE49-F238E27FC236}">
+                <a16:creationId xmlns:a16="http://schemas.microsoft.com/office/drawing/2014/main" id="{7C5031C7-22BA-EDBB-6B77-2745101E684F}"/>
+              </a:ext>
+            </a:extLst>
+          </p:cNvPr>
+          <p:cNvPicPr>
+            <a:picLocks noChangeAspect="1"/>
+          </p:cNvPicPr>
+          <p:nvPr/>
+        </p:nvPicPr>
+        <p:blipFill>
+          <a:blip r:embed="rId2"/>
+          <a:stretch>
+            <a:fillRect/>
+          </a:stretch>
+        </p:blipFill>
+        <p:spPr>
+          <a:xfrm>
+            <a:off x="1632857" y="2184870"/>
+            <a:ext cx="8304245" cy="3992093"/>
+          </a:xfrm>
+          <a:prstGeom prst="rect">
+            <a:avLst/>
+          </a:prstGeom>
+        </p:spPr>
+      </p:pic>
+    </p:spTree>
+    <p:extLst>
+      <p:ext uri="{BB962C8B-B14F-4D97-AF65-F5344CB8AC3E}">
+        <p14:creationId xmlns:p14="http://schemas.microsoft.com/office/powerpoint/2010/main" val="3398220399"/>
+      </p:ext>
+    </p:extLst>
+  </p:cSld>
+  <p:clrMapOvr>
+    <a:masterClrMapping/>
+  </p:clrMapOvr>
+</p:sld>
+</file>
+
+<file path=ppt/slides/slide7.xml><?xml version="1.0" encoding="utf-8"?>
+<p:sld xmlns:a="http://schemas.openxmlformats.org/drawingml/2006/main" xmlns:r="http://schemas.openxmlformats.org/officeDocument/2006/relationships" xmlns:p="http://schemas.openxmlformats.org/presentationml/2006/main">
+  <p:cSld>
+    <p:spTree>
+      <p:nvGrpSpPr>
+        <p:cNvPr id="1" name=""/>
+        <p:cNvGrpSpPr/>
+        <p:nvPr/>
+      </p:nvGrpSpPr>
+      <p:grpSpPr>
+        <a:xfrm>
+          <a:off x="0" y="0"/>
+          <a:ext cx="0" cy="0"/>
+          <a:chOff x="0" y="0"/>
+          <a:chExt cx="0" cy="0"/>
+        </a:xfrm>
+      </p:grpSpPr>
+      <p:sp>
+        <p:nvSpPr>
+          <p:cNvPr id="2" name="Título 1">
+            <a:extLst>
+              <a:ext uri="{FF2B5EF4-FFF2-40B4-BE49-F238E27FC236}">
+                <a16:creationId xmlns:a16="http://schemas.microsoft.com/office/drawing/2014/main" id="{B8ABAACC-5240-4E68-A4E9-ACA6E7A4B0A2}"/>
+              </a:ext>
+            </a:extLst>
+          </p:cNvPr>
+          <p:cNvSpPr>
+            <a:spLocks noGrp="1"/>
+          </p:cNvSpPr>
+          <p:nvPr>
+            <p:ph type="title" idx="4294967295"/>
+          </p:nvPr>
+        </p:nvSpPr>
+        <p:spPr>
+          <a:xfrm>
+            <a:off x="492369" y="1395046"/>
+            <a:ext cx="11218985" cy="295642"/>
+          </a:xfrm>
+        </p:spPr>
+        <p:txBody>
+          <a:bodyPr>
+            <a:noAutofit/>
+          </a:bodyPr>
+          <a:lstStyle/>
+          <a:p>
+            <a:r>
+              <a:rPr lang="es-EC" sz="3200" dirty="0"/>
+              <a:t>2.1 Riesgo</a:t>
+            </a:r>
+          </a:p>
+        </p:txBody>
+      </p:sp>
+      <p:sp>
+        <p:nvSpPr>
+          <p:cNvPr id="3" name="Marcador de contenido 2">
+            <a:extLst>
+              <a:ext uri="{FF2B5EF4-FFF2-40B4-BE49-F238E27FC236}">
+                <a16:creationId xmlns:a16="http://schemas.microsoft.com/office/drawing/2014/main" id="{055CBC30-9FA5-4F46-97C3-766A43887EE6}"/>
+              </a:ext>
+            </a:extLst>
+          </p:cNvPr>
+          <p:cNvSpPr>
+            <a:spLocks noGrp="1"/>
+          </p:cNvSpPr>
+          <p:nvPr>
+            <p:ph idx="4294967295"/>
+          </p:nvPr>
+        </p:nvSpPr>
+        <p:spPr>
+          <a:xfrm>
+            <a:off x="492369" y="1825625"/>
+            <a:ext cx="11218985" cy="4351338"/>
+          </a:xfrm>
+        </p:spPr>
+        <p:txBody>
+          <a:bodyPr>
+            <a:normAutofit/>
+          </a:bodyPr>
+          <a:lstStyle/>
+          <a:p>
+            <a:r>
+              <a:rPr lang="es-EC" sz="2000" b="1" dirty="0"/>
+              <a:t>Tarea: MITRE ATT&amp;CK</a:t>
+            </a:r>
+          </a:p>
+          <a:p>
+            <a:r>
+              <a:rPr lang="es-EC" sz="2000" dirty="0"/>
+              <a:t>Identificar tres ataques en el dominio Enterprise y construir una ficha técnica de cada ataque.</a:t>
+            </a:r>
+          </a:p>
+        </p:txBody>
+      </p:sp>
+      <p:sp>
+        <p:nvSpPr>
+          <p:cNvPr id="4" name="CuadroTexto 3">
+            <a:extLst>
+              <a:ext uri="{FF2B5EF4-FFF2-40B4-BE49-F238E27FC236}">
+                <a16:creationId xmlns:a16="http://schemas.microsoft.com/office/drawing/2014/main" id="{8B6F68EF-E653-1053-3A87-CD198F11B884}"/>
+              </a:ext>
+            </a:extLst>
+          </p:cNvPr>
+          <p:cNvSpPr txBox="1"/>
+          <p:nvPr/>
+        </p:nvSpPr>
+        <p:spPr>
+          <a:xfrm>
+            <a:off x="492369" y="3424335"/>
+            <a:ext cx="1529586" cy="1200329"/>
+          </a:xfrm>
+          <a:prstGeom prst="rect">
+            <a:avLst/>
+          </a:prstGeom>
+          <a:noFill/>
+        </p:spPr>
+        <p:txBody>
+          <a:bodyPr wrap="none" rtlCol="0">
+            <a:spAutoFit/>
+          </a:bodyPr>
+          <a:lstStyle/>
+          <a:p>
+            <a:pPr marL="285750" indent="-285750">
+              <a:buFont typeface="Arial" panose="020B0604020202020204" pitchFamily="34" charset="0"/>
+              <a:buChar char="•"/>
+            </a:pPr>
+            <a:r>
+              <a:rPr lang="es-419" dirty="0"/>
+              <a:t>ID</a:t>
+            </a:r>
+          </a:p>
+          <a:p>
+            <a:pPr marL="285750" indent="-285750">
+              <a:buFont typeface="Arial" panose="020B0604020202020204" pitchFamily="34" charset="0"/>
+              <a:buChar char="•"/>
+            </a:pPr>
+            <a:r>
+              <a:rPr lang="es-419" dirty="0" err="1"/>
+              <a:t>Procedure</a:t>
+            </a:r>
+            <a:endParaRPr lang="es-419" dirty="0"/>
+          </a:p>
+          <a:p>
+            <a:pPr marL="285750" indent="-285750">
+              <a:buFont typeface="Arial" panose="020B0604020202020204" pitchFamily="34" charset="0"/>
+              <a:buChar char="•"/>
+            </a:pPr>
+            <a:r>
+              <a:rPr lang="es-419" dirty="0" err="1"/>
+              <a:t>Mitigations</a:t>
+            </a:r>
+            <a:endParaRPr lang="es-419" dirty="0"/>
+          </a:p>
+          <a:p>
+            <a:pPr marL="285750" indent="-285750">
+              <a:buFont typeface="Arial" panose="020B0604020202020204" pitchFamily="34" charset="0"/>
+              <a:buChar char="•"/>
+            </a:pPr>
+            <a:r>
+              <a:rPr lang="es-419" dirty="0" err="1"/>
+              <a:t>Detection</a:t>
+            </a:r>
+            <a:endParaRPr lang="es-419" dirty="0"/>
+          </a:p>
+        </p:txBody>
+      </p:sp>
+      <p:pic>
+        <p:nvPicPr>
+          <p:cNvPr id="6" name="Imagen 5">
+            <a:extLst>
+              <a:ext uri="{FF2B5EF4-FFF2-40B4-BE49-F238E27FC236}">
+                <a16:creationId xmlns:a16="http://schemas.microsoft.com/office/drawing/2014/main" id="{9AFD53B8-580A-A62E-D9CB-6DA08311ECB2}"/>
+              </a:ext>
+            </a:extLst>
+          </p:cNvPr>
+          <p:cNvPicPr>
+            <a:picLocks noChangeAspect="1"/>
+          </p:cNvPicPr>
+          <p:nvPr/>
+        </p:nvPicPr>
+        <p:blipFill>
+          <a:blip r:embed="rId2"/>
+          <a:stretch>
+            <a:fillRect/>
+          </a:stretch>
+        </p:blipFill>
+        <p:spPr>
+          <a:xfrm>
+            <a:off x="3778898" y="2771191"/>
+            <a:ext cx="6693813" cy="3186534"/>
+          </a:xfrm>
+          <a:prstGeom prst="rect">
+            <a:avLst/>
+          </a:prstGeom>
+        </p:spPr>
+      </p:pic>
+    </p:spTree>
+    <p:extLst>
+      <p:ext uri="{BB962C8B-B14F-4D97-AF65-F5344CB8AC3E}">
+        <p14:creationId xmlns:p14="http://schemas.microsoft.com/office/powerpoint/2010/main" val="802996477"/>
+      </p:ext>
+    </p:extLst>
+  </p:cSld>
+  <p:clrMapOvr>
+    <a:masterClrMapping/>
+  </p:clrMapOvr>
+</p:sld>
+</file>
+
+<file path=ppt/slides/slide8.xml><?xml version="1.0" encoding="utf-8"?>
+<p:sld xmlns:a="http://schemas.openxmlformats.org/drawingml/2006/main" xmlns:r="http://schemas.openxmlformats.org/officeDocument/2006/relationships" xmlns:p="http://schemas.openxmlformats.org/presentationml/2006/main">
+  <p:cSld>
+    <p:spTree>
+      <p:nvGrpSpPr>
+        <p:cNvPr id="1" name=""/>
+        <p:cNvGrpSpPr/>
+        <p:nvPr/>
+      </p:nvGrpSpPr>
+      <p:grpSpPr>
+        <a:xfrm>
+          <a:off x="0" y="0"/>
+          <a:ext cx="0" cy="0"/>
+          <a:chOff x="0" y="0"/>
+          <a:chExt cx="0" cy="0"/>
+        </a:xfrm>
+      </p:grpSpPr>
+      <p:sp>
+        <p:nvSpPr>
+          <p:cNvPr id="2" name="Título 1">
+            <a:extLst>
+              <a:ext uri="{FF2B5EF4-FFF2-40B4-BE49-F238E27FC236}">
+                <a16:creationId xmlns:a16="http://schemas.microsoft.com/office/drawing/2014/main" id="{B8ABAACC-5240-4E68-A4E9-ACA6E7A4B0A2}"/>
+              </a:ext>
+            </a:extLst>
+          </p:cNvPr>
+          <p:cNvSpPr>
+            <a:spLocks noGrp="1"/>
+          </p:cNvSpPr>
+          <p:nvPr>
+            <p:ph type="title" idx="4294967295"/>
+          </p:nvPr>
+        </p:nvSpPr>
+        <p:spPr>
+          <a:xfrm>
+            <a:off x="492369" y="1395046"/>
+            <a:ext cx="11218985" cy="295642"/>
+          </a:xfrm>
+        </p:spPr>
+        <p:txBody>
+          <a:bodyPr>
+            <a:noAutofit/>
+          </a:bodyPr>
+          <a:lstStyle/>
+          <a:p>
+            <a:r>
+              <a:rPr lang="es-EC" sz="3200" dirty="0"/>
+              <a:t>2.2 Controles y Riesgo Residual</a:t>
+            </a:r>
+          </a:p>
+        </p:txBody>
+      </p:sp>
+      <p:sp>
+        <p:nvSpPr>
+          <p:cNvPr id="3" name="Marcador de contenido 2">
+            <a:extLst>
+              <a:ext uri="{FF2B5EF4-FFF2-40B4-BE49-F238E27FC236}">
+                <a16:creationId xmlns:a16="http://schemas.microsoft.com/office/drawing/2014/main" id="{055CBC30-9FA5-4F46-97C3-766A43887EE6}"/>
+              </a:ext>
+            </a:extLst>
+          </p:cNvPr>
+          <p:cNvSpPr>
+            <a:spLocks noGrp="1"/>
+          </p:cNvSpPr>
+          <p:nvPr>
+            <p:ph idx="4294967295"/>
+          </p:nvPr>
+        </p:nvSpPr>
+        <p:spPr>
+          <a:xfrm>
+            <a:off x="492369" y="1825625"/>
+            <a:ext cx="11218985" cy="4351338"/>
+          </a:xfrm>
+        </p:spPr>
+        <p:txBody>
+          <a:bodyPr>
+            <a:normAutofit/>
+          </a:bodyPr>
+          <a:lstStyle/>
+          <a:p>
+            <a:r>
+              <a:rPr lang="es-EC" sz="2000" b="1" dirty="0"/>
+              <a:t>Control:</a:t>
+            </a:r>
+            <a:r>
+              <a:rPr lang="es-EC" sz="2000" dirty="0"/>
+              <a:t> Medida de protección para mitigar el riesgo inherente </a:t>
+            </a:r>
+          </a:p>
+          <a:p>
+            <a:pPr marL="0" indent="0">
+              <a:buNone/>
+            </a:pPr>
+            <a:r>
+              <a:rPr lang="es-EC" sz="2000" dirty="0"/>
+              <a:t>por la presencia de amenazas.</a:t>
+            </a:r>
+          </a:p>
+          <a:p>
+            <a:pPr lvl="1"/>
+            <a:r>
+              <a:rPr lang="es-EC" sz="1600" dirty="0"/>
+              <a:t>Firewalls</a:t>
+            </a:r>
+          </a:p>
+          <a:p>
+            <a:pPr lvl="1"/>
+            <a:r>
+              <a:rPr lang="es-EC" sz="1600" dirty="0"/>
+              <a:t>Cifrado</a:t>
+            </a:r>
+          </a:p>
+          <a:p>
+            <a:pPr lvl="1"/>
+            <a:r>
+              <a:rPr lang="es-EC" sz="1600" dirty="0" err="1"/>
+              <a:t>CAPTCHAs</a:t>
+            </a:r>
+            <a:endParaRPr lang="es-EC" sz="1600" dirty="0"/>
+          </a:p>
+          <a:p>
+            <a:pPr lvl="1"/>
+            <a:r>
+              <a:rPr lang="es-EC" sz="1600" dirty="0"/>
+              <a:t>Hash</a:t>
+            </a:r>
+          </a:p>
+          <a:p>
+            <a:r>
+              <a:rPr lang="es-EC" sz="2000" b="1" dirty="0"/>
+              <a:t>Riesgo residual: </a:t>
+            </a:r>
+            <a:r>
+              <a:rPr lang="es-EC" sz="2000" dirty="0"/>
+              <a:t>Riesgo resultante después de la aplicación de uno </a:t>
+            </a:r>
+          </a:p>
+          <a:p>
+            <a:pPr marL="0" indent="0">
+              <a:buNone/>
+            </a:pPr>
+            <a:r>
+              <a:rPr lang="es-EC" sz="2000" dirty="0"/>
+              <a:t>o varios controles.</a:t>
+            </a:r>
+          </a:p>
+        </p:txBody>
+      </p:sp>
+      <p:pic>
+        <p:nvPicPr>
+          <p:cNvPr id="3074" name="Picture 2" descr="Riesgo inherente y riesgo residual">
+            <a:extLst>
+              <a:ext uri="{FF2B5EF4-FFF2-40B4-BE49-F238E27FC236}">
+                <a16:creationId xmlns:a16="http://schemas.microsoft.com/office/drawing/2014/main" id="{E3838CFE-9E92-3860-0ACB-B51FF63E3F73}"/>
+              </a:ext>
+            </a:extLst>
+          </p:cNvPr>
+          <p:cNvPicPr>
+            <a:picLocks noChangeAspect="1" noChangeArrowheads="1"/>
+          </p:cNvPicPr>
+          <p:nvPr/>
+        </p:nvPicPr>
+        <p:blipFill>
+          <a:blip r:embed="rId2">
+            <a:extLst>
+              <a:ext uri="{28A0092B-C50C-407E-A947-70E740481C1C}">
+                <a14:useLocalDpi xmlns:a14="http://schemas.microsoft.com/office/drawing/2010/main" val="0"/>
+              </a:ext>
+            </a:extLst>
+          </a:blip>
+          <a:srcRect/>
+          <a:stretch>
+            <a:fillRect/>
+          </a:stretch>
+        </p:blipFill>
+        <p:spPr bwMode="auto">
+          <a:xfrm>
+            <a:off x="8193227" y="1395046"/>
+            <a:ext cx="3592772" cy="4681198"/>
+          </a:xfrm>
+          <a:prstGeom prst="rect">
+            <a:avLst/>
+          </a:prstGeom>
+          <a:noFill/>
+          <a:extLst>
+            <a:ext uri="{909E8E84-426E-40DD-AFC4-6F175D3DCCD1}">
+              <a14:hiddenFill xmlns:a14="http://schemas.microsoft.com/office/drawing/2010/main">
+                <a:solidFill>
+                  <a:srgbClr val="FFFFFF"/>
+                </a:solidFill>
+              </a14:hiddenFill>
+            </a:ext>
+          </a:extLst>
+        </p:spPr>
+      </p:pic>
+    </p:spTree>
+    <p:extLst>
+      <p:ext uri="{BB962C8B-B14F-4D97-AF65-F5344CB8AC3E}">
+        <p14:creationId xmlns:p14="http://schemas.microsoft.com/office/powerpoint/2010/main" val="36679542"/>
+      </p:ext>
+    </p:extLst>
+  </p:cSld>
+  <p:clrMapOvr>
+    <a:masterClrMapping/>
+  </p:clrMapOvr>
+</p:sld>
+</file>
+
+<file path=ppt/slides/slide9.xml><?xml version="1.0" encoding="utf-8"?>
+<p:sld xmlns:a="http://schemas.openxmlformats.org/drawingml/2006/main" xmlns:r="http://schemas.openxmlformats.org/officeDocument/2006/relationships" xmlns:p="http://schemas.openxmlformats.org/presentationml/2006/main">
+  <p:cSld>
+    <p:spTree>
+      <p:nvGrpSpPr>
+        <p:cNvPr id="1" name=""/>
+        <p:cNvGrpSpPr/>
+        <p:nvPr/>
+      </p:nvGrpSpPr>
+      <p:grpSpPr>
+        <a:xfrm>
+          <a:off x="0" y="0"/>
+          <a:ext cx="0" cy="0"/>
+          <a:chOff x="0" y="0"/>
+          <a:chExt cx="0" cy="0"/>
+        </a:xfrm>
+      </p:grpSpPr>
+      <p:sp>
+        <p:nvSpPr>
+          <p:cNvPr id="2" name="Título 1">
+            <a:extLst>
+              <a:ext uri="{FF2B5EF4-FFF2-40B4-BE49-F238E27FC236}">
+                <a16:creationId xmlns:a16="http://schemas.microsoft.com/office/drawing/2014/main" id="{B8ABAACC-5240-4E68-A4E9-ACA6E7A4B0A2}"/>
+              </a:ext>
+            </a:extLst>
+          </p:cNvPr>
+          <p:cNvSpPr>
+            <a:spLocks noGrp="1"/>
+          </p:cNvSpPr>
+          <p:nvPr>
+            <p:ph type="title" idx="4294967295"/>
+          </p:nvPr>
+        </p:nvSpPr>
+        <p:spPr>
+          <a:xfrm>
+            <a:off x="492369" y="1395046"/>
+            <a:ext cx="11218985" cy="295642"/>
+          </a:xfrm>
+        </p:spPr>
+        <p:txBody>
+          <a:bodyPr>
+            <a:noAutofit/>
+          </a:bodyPr>
+          <a:lstStyle/>
+          <a:p>
+            <a:r>
+              <a:rPr lang="es-EC" sz="3200" dirty="0"/>
+              <a:t>2.2 Controles y Riesgo Residual</a:t>
+            </a:r>
+          </a:p>
+        </p:txBody>
+      </p:sp>
+      <p:pic>
+        <p:nvPicPr>
+          <p:cNvPr id="4104" name="Picture 8" descr="Matriz de riesgo: Importancia y ejemplos | SafetyCulture">
+            <a:extLst>
+              <a:ext uri="{FF2B5EF4-FFF2-40B4-BE49-F238E27FC236}">
+                <a16:creationId xmlns:a16="http://schemas.microsoft.com/office/drawing/2014/main" id="{85F51102-93E7-DA9B-6D6A-F0548C3D206D}"/>
+              </a:ext>
+            </a:extLst>
+          </p:cNvPr>
+          <p:cNvPicPr>
+            <a:picLocks noChangeAspect="1" noChangeArrowheads="1"/>
+          </p:cNvPicPr>
+          <p:nvPr/>
+        </p:nvPicPr>
+        <p:blipFill>
+          <a:blip r:embed="rId2">
+            <a:extLst>
+              <a:ext uri="{28A0092B-C50C-407E-A947-70E740481C1C}">
+                <a14:useLocalDpi xmlns:a14="http://schemas.microsoft.com/office/drawing/2010/main" val="0"/>
+              </a:ext>
+            </a:extLst>
+          </a:blip>
+          <a:srcRect/>
+          <a:stretch>
+            <a:fillRect/>
+          </a:stretch>
+        </p:blipFill>
+        <p:spPr bwMode="auto">
+          <a:xfrm>
+            <a:off x="352410" y="2285999"/>
+            <a:ext cx="6248401" cy="3570515"/>
+          </a:xfrm>
+          <a:prstGeom prst="rect">
+            <a:avLst/>
+          </a:prstGeom>
+          <a:noFill/>
+          <a:extLst>
+            <a:ext uri="{909E8E84-426E-40DD-AFC4-6F175D3DCCD1}">
+              <a14:hiddenFill xmlns:a14="http://schemas.microsoft.com/office/drawing/2010/main">
+                <a:solidFill>
+                  <a:srgbClr val="FFFFFF"/>
+                </a:solidFill>
+              </a14:hiddenFill>
+            </a:ext>
+          </a:extLst>
+        </p:spPr>
+      </p:pic>
+      <p:pic>
+        <p:nvPicPr>
+          <p:cNvPr id="4106" name="Picture 10">
+            <a:extLst>
+              <a:ext uri="{FF2B5EF4-FFF2-40B4-BE49-F238E27FC236}">
+                <a16:creationId xmlns:a16="http://schemas.microsoft.com/office/drawing/2014/main" id="{07D99D6B-C370-EB1D-1A88-C983CF64F219}"/>
+              </a:ext>
+            </a:extLst>
+          </p:cNvPr>
+          <p:cNvPicPr>
+            <a:picLocks noChangeAspect="1" noChangeArrowheads="1"/>
+          </p:cNvPicPr>
+          <p:nvPr/>
+        </p:nvPicPr>
+        <p:blipFill>
+          <a:blip r:embed="rId3">
+            <a:extLst>
+              <a:ext uri="{28A0092B-C50C-407E-A947-70E740481C1C}">
+                <a14:useLocalDpi xmlns:a14="http://schemas.microsoft.com/office/drawing/2010/main" val="0"/>
+              </a:ext>
+            </a:extLst>
+          </a:blip>
+          <a:srcRect/>
+          <a:stretch>
+            <a:fillRect/>
+          </a:stretch>
+        </p:blipFill>
+        <p:spPr bwMode="auto">
+          <a:xfrm>
+            <a:off x="6974514" y="2776635"/>
+            <a:ext cx="4736840" cy="2368420"/>
+          </a:xfrm>
+          <a:prstGeom prst="rect">
+            <a:avLst/>
+          </a:prstGeom>
+          <a:noFill/>
+          <a:extLst>
+            <a:ext uri="{909E8E84-426E-40DD-AFC4-6F175D3DCCD1}">
+              <a14:hiddenFill xmlns:a14="http://schemas.microsoft.com/office/drawing/2010/main">
+                <a:solidFill>
+                  <a:srgbClr val="FFFFFF"/>
+                </a:solidFill>
+              </a14:hiddenFill>
+            </a:ext>
+          </a:extLst>
+        </p:spPr>
+      </p:pic>
+    </p:spTree>
+    <p:extLst>
+      <p:ext uri="{BB962C8B-B14F-4D97-AF65-F5344CB8AC3E}">
+        <p14:creationId xmlns:p14="http://schemas.microsoft.com/office/powerpoint/2010/main" val="4233147900"/>
       </p:ext>
     </p:extLst>
   </p:cSld>
